--- a/IMG-2015.pptx
+++ b/IMG-2015.pptx
@@ -6,7 +6,14 @@
   </p:sldMasterIdLst>
   <p:sldIdLst>
     <p:sldId id="256" r:id="rId2"/>
-    <p:sldId id="257" r:id="rId3"/>
+    <p:sldId id="258" r:id="rId3"/>
+    <p:sldId id="260" r:id="rId4"/>
+    <p:sldId id="261" r:id="rId5"/>
+    <p:sldId id="262" r:id="rId6"/>
+    <p:sldId id="263" r:id="rId7"/>
+    <p:sldId id="264" r:id="rId8"/>
+    <p:sldId id="259" r:id="rId9"/>
+    <p:sldId id="257" r:id="rId10"/>
   </p:sldIdLst>
   <p:sldSz cx="9144000" cy="6858000" type="screen4x3"/>
   <p:notesSz cx="6858000" cy="9144000"/>
@@ -3752,7 +3759,644 @@
           <a:p>
             <a:r>
               <a:rPr lang="en-US" dirty="0" smtClean="0"/>
-              <a:t>Acknowledgements</a:t>
+              <a:t>The Landscape</a:t>
+            </a:r>
+            <a:endParaRPr lang="en-US" dirty="0"/>
+          </a:p>
+        </p:txBody>
+      </p:sp>
+      <p:pic>
+        <p:nvPicPr>
+          <p:cNvPr id="4" name="Picture 3"/>
+          <p:cNvPicPr>
+            <a:picLocks noChangeAspect="1"/>
+          </p:cNvPicPr>
+          <p:nvPr/>
+        </p:nvPicPr>
+        <p:blipFill rotWithShape="1">
+          <a:blip r:embed="rId2"/>
+          <a:srcRect l="6161" t="9504" r="6833" b="41664"/>
+          <a:stretch/>
+        </p:blipFill>
+        <p:spPr>
+          <a:xfrm>
+            <a:off x="696793" y="2213889"/>
+            <a:ext cx="7687197" cy="3348930"/>
+          </a:xfrm>
+          <a:prstGeom prst="rect">
+            <a:avLst/>
+          </a:prstGeom>
+        </p:spPr>
+      </p:pic>
+      <p:sp>
+        <p:nvSpPr>
+          <p:cNvPr id="5" name="TextBox 4"/>
+          <p:cNvSpPr txBox="1"/>
+          <p:nvPr/>
+        </p:nvSpPr>
+        <p:spPr>
+          <a:xfrm>
+            <a:off x="1168814" y="1651989"/>
+            <a:ext cx="6754394" cy="369332"/>
+          </a:xfrm>
+          <a:prstGeom prst="rect">
+            <a:avLst/>
+          </a:prstGeom>
+          <a:noFill/>
+        </p:spPr>
+        <p:txBody>
+          <a:bodyPr wrap="square" rtlCol="0">
+            <a:spAutoFit/>
+          </a:bodyPr>
+          <a:lstStyle/>
+          <a:p>
+            <a:r>
+              <a:rPr lang="en-US" dirty="0" smtClean="0"/>
+              <a:t>URL: </a:t>
+            </a:r>
+            <a:r>
+              <a:rPr lang="en-US" dirty="0" err="1" smtClean="0"/>
+              <a:t>www.sanger.ac.uk</a:t>
+            </a:r>
+            <a:r>
+              <a:rPr lang="en-US" dirty="0" smtClean="0"/>
+              <a:t>/</a:t>
+            </a:r>
+            <a:r>
+              <a:rPr lang="en-US" dirty="0" err="1" smtClean="0"/>
+              <a:t>htgt</a:t>
+            </a:r>
+            <a:endParaRPr lang="en-US" dirty="0"/>
+          </a:p>
+        </p:txBody>
+      </p:sp>
+    </p:spTree>
+    <p:extLst>
+      <p:ext uri="{BB962C8B-B14F-4D97-AF65-F5344CB8AC3E}">
+        <p14:creationId xmlns:p14="http://schemas.microsoft.com/office/powerpoint/2010/main" val="3386116897"/>
+      </p:ext>
+    </p:extLst>
+  </p:cSld>
+  <p:clrMapOvr>
+    <a:masterClrMapping/>
+  </p:clrMapOvr>
+</p:sld>
+</file>
+
+<file path=ppt/slides/slide3.xml><?xml version="1.0" encoding="utf-8"?>
+<p:sld xmlns:a="http://schemas.openxmlformats.org/drawingml/2006/main" xmlns:r="http://schemas.openxmlformats.org/officeDocument/2006/relationships" xmlns:p="http://schemas.openxmlformats.org/presentationml/2006/main">
+  <p:cSld>
+    <p:spTree>
+      <p:nvGrpSpPr>
+        <p:cNvPr id="1" name=""/>
+        <p:cNvGrpSpPr/>
+        <p:nvPr/>
+      </p:nvGrpSpPr>
+      <p:grpSpPr>
+        <a:xfrm>
+          <a:off x="0" y="0"/>
+          <a:ext cx="0" cy="0"/>
+          <a:chOff x="0" y="0"/>
+          <a:chExt cx="0" cy="0"/>
+        </a:xfrm>
+      </p:grpSpPr>
+      <p:sp>
+        <p:nvSpPr>
+          <p:cNvPr id="2" name="Title 1"/>
+          <p:cNvSpPr>
+            <a:spLocks noGrp="1"/>
+          </p:cNvSpPr>
+          <p:nvPr>
+            <p:ph type="title"/>
+          </p:nvPr>
+        </p:nvSpPr>
+        <p:spPr/>
+        <p:txBody>
+          <a:bodyPr/>
+          <a:lstStyle/>
+          <a:p>
+            <a:r>
+              <a:rPr lang="en-US" dirty="0" smtClean="0"/>
+              <a:t>HTGT</a:t>
+            </a:r>
+            <a:endParaRPr lang="en-US" dirty="0"/>
+          </a:p>
+        </p:txBody>
+      </p:sp>
+      <p:sp>
+        <p:nvSpPr>
+          <p:cNvPr id="3" name="Content Placeholder 2"/>
+          <p:cNvSpPr>
+            <a:spLocks noGrp="1"/>
+          </p:cNvSpPr>
+          <p:nvPr>
+            <p:ph idx="1"/>
+          </p:nvPr>
+        </p:nvSpPr>
+        <p:spPr/>
+        <p:txBody>
+          <a:bodyPr/>
+          <a:lstStyle/>
+          <a:p>
+            <a:r>
+              <a:rPr lang="en-US" dirty="0" smtClean="0"/>
+              <a:t>HTGT – High-Throughput Gene Targeting</a:t>
+            </a:r>
+          </a:p>
+          <a:p>
+            <a:pPr lvl="1"/>
+            <a:r>
+              <a:rPr lang="en-US" dirty="0" smtClean="0"/>
+              <a:t>The ‘original’ LIMS for Team87</a:t>
+            </a:r>
+          </a:p>
+          <a:p>
+            <a:pPr lvl="1"/>
+            <a:r>
+              <a:rPr lang="en-US" dirty="0" smtClean="0"/>
+              <a:t>Perl/Catalyst/DBI/</a:t>
+            </a:r>
+            <a:r>
+              <a:rPr lang="en-US" dirty="0" err="1" smtClean="0"/>
+              <a:t>DBIx</a:t>
+            </a:r>
+            <a:r>
+              <a:rPr lang="en-US" dirty="0" smtClean="0"/>
+              <a:t>::Class/Oracle</a:t>
+            </a:r>
+          </a:p>
+          <a:p>
+            <a:pPr lvl="1"/>
+            <a:r>
+              <a:rPr lang="en-US" dirty="0" smtClean="0"/>
+              <a:t>Was running on Etch (aka ancient version of </a:t>
+            </a:r>
+            <a:r>
+              <a:rPr lang="en-US" dirty="0" err="1" smtClean="0"/>
+              <a:t>Debian</a:t>
+            </a:r>
+            <a:r>
+              <a:rPr lang="en-US" dirty="0" smtClean="0"/>
+              <a:t>)</a:t>
+            </a:r>
+          </a:p>
+          <a:p>
+            <a:pPr lvl="1"/>
+            <a:r>
+              <a:rPr lang="en-US" dirty="0" smtClean="0"/>
+              <a:t>A ‘legacy’ system supporting Mouse (only)</a:t>
+            </a:r>
+          </a:p>
+          <a:p>
+            <a:pPr lvl="1"/>
+            <a:r>
+              <a:rPr lang="en-US" dirty="0" smtClean="0"/>
+              <a:t>Essentially relational ‘one well -&gt; one parent’ model</a:t>
+            </a:r>
+          </a:p>
+          <a:p>
+            <a:pPr lvl="2"/>
+            <a:r>
+              <a:rPr lang="en-US" dirty="0" smtClean="0"/>
+              <a:t>A kind of tree</a:t>
+            </a:r>
+            <a:endParaRPr lang="en-US" dirty="0"/>
+          </a:p>
+        </p:txBody>
+      </p:sp>
+    </p:spTree>
+    <p:extLst>
+      <p:ext uri="{BB962C8B-B14F-4D97-AF65-F5344CB8AC3E}">
+        <p14:creationId xmlns:p14="http://schemas.microsoft.com/office/powerpoint/2010/main" val="1989526936"/>
+      </p:ext>
+    </p:extLst>
+  </p:cSld>
+  <p:clrMapOvr>
+    <a:masterClrMapping/>
+  </p:clrMapOvr>
+</p:sld>
+</file>
+
+<file path=ppt/slides/slide4.xml><?xml version="1.0" encoding="utf-8"?>
+<p:sld xmlns:a="http://schemas.openxmlformats.org/drawingml/2006/main" xmlns:r="http://schemas.openxmlformats.org/officeDocument/2006/relationships" xmlns:p="http://schemas.openxmlformats.org/presentationml/2006/main">
+  <p:cSld>
+    <p:spTree>
+      <p:nvGrpSpPr>
+        <p:cNvPr id="1" name=""/>
+        <p:cNvGrpSpPr/>
+        <p:nvPr/>
+      </p:nvGrpSpPr>
+      <p:grpSpPr>
+        <a:xfrm>
+          <a:off x="0" y="0"/>
+          <a:ext cx="0" cy="0"/>
+          <a:chOff x="0" y="0"/>
+          <a:chExt cx="0" cy="0"/>
+        </a:xfrm>
+      </p:grpSpPr>
+      <p:sp>
+        <p:nvSpPr>
+          <p:cNvPr id="2" name="Title 1"/>
+          <p:cNvSpPr>
+            <a:spLocks noGrp="1"/>
+          </p:cNvSpPr>
+          <p:nvPr>
+            <p:ph type="title"/>
+          </p:nvPr>
+        </p:nvSpPr>
+        <p:spPr/>
+        <p:txBody>
+          <a:bodyPr/>
+          <a:lstStyle/>
+          <a:p>
+            <a:r>
+              <a:rPr lang="en-US" dirty="0" smtClean="0"/>
+              <a:t>HTGT2 – The migration</a:t>
+            </a:r>
+            <a:endParaRPr lang="en-US" dirty="0"/>
+          </a:p>
+        </p:txBody>
+      </p:sp>
+      <p:sp>
+        <p:nvSpPr>
+          <p:cNvPr id="3" name="Content Placeholder 2"/>
+          <p:cNvSpPr>
+            <a:spLocks noGrp="1"/>
+          </p:cNvSpPr>
+          <p:nvPr>
+            <p:ph idx="1"/>
+          </p:nvPr>
+        </p:nvSpPr>
+        <p:spPr/>
+        <p:txBody>
+          <a:bodyPr/>
+          <a:lstStyle/>
+          <a:p>
+            <a:r>
+              <a:rPr lang="en-US" dirty="0" smtClean="0"/>
+              <a:t>Removal of support for Etch</a:t>
+            </a:r>
+          </a:p>
+          <a:p>
+            <a:pPr lvl="1"/>
+            <a:r>
+              <a:rPr lang="en-US" dirty="0" smtClean="0"/>
+              <a:t>drives effort to migrate to Ubuntu Precise (VMs)</a:t>
+            </a:r>
+          </a:p>
+          <a:p>
+            <a:pPr lvl="1"/>
+            <a:r>
+              <a:rPr lang="en-US" dirty="0" smtClean="0"/>
+              <a:t>The painstaking task of gathering all Perl modules required:</a:t>
+            </a:r>
+          </a:p>
+          <a:p>
+            <a:pPr lvl="2"/>
+            <a:r>
+              <a:rPr lang="en-US" dirty="0" smtClean="0"/>
+              <a:t>Local – multiple subversion repositories re-</a:t>
+            </a:r>
+            <a:r>
+              <a:rPr lang="en-US" dirty="0" err="1" smtClean="0"/>
+              <a:t>organised</a:t>
+            </a:r>
+            <a:r>
+              <a:rPr lang="en-US" dirty="0" smtClean="0"/>
+              <a:t> into handful of GIT repositories (using GIT </a:t>
+            </a:r>
+            <a:r>
+              <a:rPr lang="en-US" dirty="0" err="1" smtClean="0"/>
+              <a:t>submodules</a:t>
+            </a:r>
+            <a:r>
+              <a:rPr lang="en-US" dirty="0" smtClean="0"/>
+              <a:t>)</a:t>
+            </a:r>
+          </a:p>
+          <a:p>
+            <a:pPr lvl="3"/>
+            <a:r>
+              <a:rPr lang="en-US" dirty="0" err="1"/>
+              <a:t>h</a:t>
+            </a:r>
+            <a:r>
+              <a:rPr lang="en-US" dirty="0" err="1" smtClean="0"/>
+              <a:t>tgt</a:t>
+            </a:r>
+            <a:r>
+              <a:rPr lang="en-US" dirty="0" smtClean="0"/>
+              <a:t>-root</a:t>
+            </a:r>
+          </a:p>
+          <a:p>
+            <a:pPr lvl="3"/>
+            <a:r>
+              <a:rPr lang="en-US" dirty="0" err="1"/>
+              <a:t>h</a:t>
+            </a:r>
+            <a:r>
+              <a:rPr lang="en-US" dirty="0" err="1" smtClean="0"/>
+              <a:t>tgt</a:t>
+            </a:r>
+            <a:r>
+              <a:rPr lang="en-US" dirty="0" smtClean="0"/>
+              <a:t>-batch</a:t>
+            </a:r>
+          </a:p>
+          <a:p>
+            <a:pPr lvl="3"/>
+            <a:r>
+              <a:rPr lang="en-US" dirty="0" err="1"/>
+              <a:t>h</a:t>
+            </a:r>
+            <a:r>
+              <a:rPr lang="en-US" dirty="0" err="1" smtClean="0"/>
+              <a:t>tgt</a:t>
+            </a:r>
+            <a:r>
+              <a:rPr lang="en-US" dirty="0" smtClean="0"/>
+              <a:t>-app</a:t>
+            </a:r>
+            <a:endParaRPr lang="en-US" dirty="0"/>
+          </a:p>
+        </p:txBody>
+      </p:sp>
+    </p:spTree>
+    <p:extLst>
+      <p:ext uri="{BB962C8B-B14F-4D97-AF65-F5344CB8AC3E}">
+        <p14:creationId xmlns:p14="http://schemas.microsoft.com/office/powerpoint/2010/main" val="519769185"/>
+      </p:ext>
+    </p:extLst>
+  </p:cSld>
+  <p:clrMapOvr>
+    <a:masterClrMapping/>
+  </p:clrMapOvr>
+</p:sld>
+</file>
+
+<file path=ppt/slides/slide5.xml><?xml version="1.0" encoding="utf-8"?>
+<p:sld xmlns:a="http://schemas.openxmlformats.org/drawingml/2006/main" xmlns:r="http://schemas.openxmlformats.org/officeDocument/2006/relationships" xmlns:p="http://schemas.openxmlformats.org/presentationml/2006/main">
+  <p:cSld>
+    <p:spTree>
+      <p:nvGrpSpPr>
+        <p:cNvPr id="1" name=""/>
+        <p:cNvGrpSpPr/>
+        <p:nvPr/>
+      </p:nvGrpSpPr>
+      <p:grpSpPr>
+        <a:xfrm>
+          <a:off x="0" y="0"/>
+          <a:ext cx="0" cy="0"/>
+          <a:chOff x="0" y="0"/>
+          <a:chExt cx="0" cy="0"/>
+        </a:xfrm>
+      </p:grpSpPr>
+      <p:sp>
+        <p:nvSpPr>
+          <p:cNvPr id="2" name="Title 1"/>
+          <p:cNvSpPr>
+            <a:spLocks noGrp="1"/>
+          </p:cNvSpPr>
+          <p:nvPr>
+            <p:ph type="title"/>
+          </p:nvPr>
+        </p:nvSpPr>
+        <p:spPr/>
+        <p:txBody>
+          <a:bodyPr/>
+          <a:lstStyle/>
+          <a:p>
+            <a:r>
+              <a:rPr lang="en-US" dirty="0" smtClean="0"/>
+              <a:t>HTGT2 code repo</a:t>
+            </a:r>
+            <a:endParaRPr lang="en-US" dirty="0"/>
+          </a:p>
+        </p:txBody>
+      </p:sp>
+      <p:pic>
+        <p:nvPicPr>
+          <p:cNvPr id="4" name="Picture 3"/>
+          <p:cNvPicPr>
+            <a:picLocks noChangeAspect="1"/>
+          </p:cNvPicPr>
+          <p:nvPr/>
+        </p:nvPicPr>
+        <p:blipFill rotWithShape="1">
+          <a:blip r:embed="rId2"/>
+          <a:srcRect l="11306" t="17323" r="35597" b="12474"/>
+          <a:stretch/>
+        </p:blipFill>
+        <p:spPr>
+          <a:xfrm>
+            <a:off x="2090377" y="1579388"/>
+            <a:ext cx="4855073" cy="4562635"/>
+          </a:xfrm>
+          <a:prstGeom prst="rect">
+            <a:avLst/>
+          </a:prstGeom>
+        </p:spPr>
+      </p:pic>
+    </p:spTree>
+    <p:extLst>
+      <p:ext uri="{BB962C8B-B14F-4D97-AF65-F5344CB8AC3E}">
+        <p14:creationId xmlns:p14="http://schemas.microsoft.com/office/powerpoint/2010/main" val="3942225474"/>
+      </p:ext>
+    </p:extLst>
+  </p:cSld>
+  <p:clrMapOvr>
+    <a:masterClrMapping/>
+  </p:clrMapOvr>
+</p:sld>
+</file>
+
+<file path=ppt/slides/slide6.xml><?xml version="1.0" encoding="utf-8"?>
+<p:sld xmlns:a="http://schemas.openxmlformats.org/drawingml/2006/main" xmlns:r="http://schemas.openxmlformats.org/officeDocument/2006/relationships" xmlns:p="http://schemas.openxmlformats.org/presentationml/2006/main">
+  <p:cSld>
+    <p:spTree>
+      <p:nvGrpSpPr>
+        <p:cNvPr id="1" name=""/>
+        <p:cNvGrpSpPr/>
+        <p:nvPr/>
+      </p:nvGrpSpPr>
+      <p:grpSpPr>
+        <a:xfrm>
+          <a:off x="0" y="0"/>
+          <a:ext cx="0" cy="0"/>
+          <a:chOff x="0" y="0"/>
+          <a:chExt cx="0" cy="0"/>
+        </a:xfrm>
+      </p:grpSpPr>
+      <p:sp>
+        <p:nvSpPr>
+          <p:cNvPr id="2" name="Title 1"/>
+          <p:cNvSpPr>
+            <a:spLocks noGrp="1"/>
+          </p:cNvSpPr>
+          <p:nvPr>
+            <p:ph type="title"/>
+          </p:nvPr>
+        </p:nvSpPr>
+        <p:spPr/>
+        <p:txBody>
+          <a:bodyPr/>
+          <a:lstStyle/>
+          <a:p>
+            <a:r>
+              <a:rPr lang="en-US" dirty="0" smtClean="0"/>
+              <a:t>LIMS2</a:t>
+            </a:r>
+            <a:endParaRPr lang="en-US" dirty="0"/>
+          </a:p>
+        </p:txBody>
+      </p:sp>
+      <p:sp>
+        <p:nvSpPr>
+          <p:cNvPr id="3" name="Content Placeholder 2"/>
+          <p:cNvSpPr>
+            <a:spLocks noGrp="1"/>
+          </p:cNvSpPr>
+          <p:nvPr>
+            <p:ph idx="1"/>
+          </p:nvPr>
+        </p:nvSpPr>
+        <p:spPr/>
+        <p:txBody>
+          <a:bodyPr>
+            <a:normAutofit/>
+          </a:bodyPr>
+          <a:lstStyle/>
+          <a:p>
+            <a:r>
+              <a:rPr lang="en-US" dirty="0" smtClean="0"/>
+              <a:t>Supports:</a:t>
+            </a:r>
+          </a:p>
+          <a:p>
+            <a:pPr lvl="1"/>
+            <a:r>
+              <a:rPr lang="en-US" dirty="0" smtClean="0"/>
+              <a:t>both Human and Mouse species</a:t>
+            </a:r>
+          </a:p>
+          <a:p>
+            <a:pPr lvl="1"/>
+            <a:r>
+              <a:rPr lang="en-US" dirty="0" smtClean="0"/>
+              <a:t>Gibson Designs</a:t>
+            </a:r>
+          </a:p>
+          <a:p>
+            <a:pPr lvl="1"/>
+            <a:r>
+              <a:rPr lang="en-US" dirty="0" smtClean="0"/>
+              <a:t>CRISPR/Cas9 support</a:t>
+            </a:r>
+          </a:p>
+          <a:p>
+            <a:r>
+              <a:rPr lang="en-US" dirty="0" smtClean="0"/>
+              <a:t>Runs on Ubuntu 10.04 (Lucid lynx)</a:t>
+            </a:r>
+          </a:p>
+          <a:p>
+            <a:pPr lvl="1"/>
+            <a:r>
+              <a:rPr lang="en-US" dirty="0" smtClean="0"/>
+              <a:t>Perl 5.10.1 (…old!)</a:t>
+            </a:r>
+          </a:p>
+          <a:p>
+            <a:pPr lvl="1"/>
+            <a:r>
+              <a:rPr lang="en-US" dirty="0" smtClean="0"/>
+              <a:t>Catalyst/</a:t>
+            </a:r>
+            <a:r>
+              <a:rPr lang="en-US" dirty="0" err="1" smtClean="0"/>
+              <a:t>DBIx</a:t>
+            </a:r>
+            <a:r>
+              <a:rPr lang="en-US" dirty="0" smtClean="0"/>
+              <a:t>::Class/</a:t>
+            </a:r>
+            <a:r>
+              <a:rPr lang="en-US" dirty="0" err="1" smtClean="0"/>
+              <a:t>PostgreSQL</a:t>
+            </a:r>
+            <a:endParaRPr lang="en-US" dirty="0" smtClean="0"/>
+          </a:p>
+          <a:p>
+            <a:pPr lvl="1"/>
+            <a:r>
+              <a:rPr lang="en-US" dirty="0" smtClean="0"/>
+              <a:t>More use of JavaScript</a:t>
+            </a:r>
+            <a:endParaRPr lang="en-US" dirty="0"/>
+          </a:p>
+          <a:p>
+            <a:pPr lvl="1"/>
+            <a:r>
+              <a:rPr lang="en-US" dirty="0" err="1" smtClean="0"/>
+              <a:t>ExtJS</a:t>
+            </a:r>
+            <a:r>
+              <a:rPr lang="en-US" dirty="0" smtClean="0"/>
+              <a:t> for flexible table widget</a:t>
+            </a:r>
+            <a:endParaRPr lang="en-US" dirty="0"/>
+          </a:p>
+        </p:txBody>
+      </p:sp>
+    </p:spTree>
+    <p:extLst>
+      <p:ext uri="{BB962C8B-B14F-4D97-AF65-F5344CB8AC3E}">
+        <p14:creationId xmlns:p14="http://schemas.microsoft.com/office/powerpoint/2010/main" val="1278359290"/>
+      </p:ext>
+    </p:extLst>
+  </p:cSld>
+  <p:clrMapOvr>
+    <a:masterClrMapping/>
+  </p:clrMapOvr>
+</p:sld>
+</file>
+
+<file path=ppt/slides/slide7.xml><?xml version="1.0" encoding="utf-8"?>
+<p:sld xmlns:a="http://schemas.openxmlformats.org/drawingml/2006/main" xmlns:r="http://schemas.openxmlformats.org/officeDocument/2006/relationships" xmlns:p="http://schemas.openxmlformats.org/presentationml/2006/main">
+  <p:cSld>
+    <p:spTree>
+      <p:nvGrpSpPr>
+        <p:cNvPr id="1" name=""/>
+        <p:cNvGrpSpPr/>
+        <p:nvPr/>
+      </p:nvGrpSpPr>
+      <p:grpSpPr>
+        <a:xfrm>
+          <a:off x="0" y="0"/>
+          <a:ext cx="0" cy="0"/>
+          <a:chOff x="0" y="0"/>
+          <a:chExt cx="0" cy="0"/>
+        </a:xfrm>
+      </p:grpSpPr>
+      <p:sp>
+        <p:nvSpPr>
+          <p:cNvPr id="2" name="Title 1"/>
+          <p:cNvSpPr>
+            <a:spLocks noGrp="1"/>
+          </p:cNvSpPr>
+          <p:nvPr>
+            <p:ph type="title"/>
+          </p:nvPr>
+        </p:nvSpPr>
+        <p:spPr/>
+        <p:txBody>
+          <a:bodyPr/>
+          <a:lstStyle/>
+          <a:p>
+            <a:r>
+              <a:rPr lang="en-US" dirty="0" smtClean="0"/>
+              <a:t>LIMS2 - architecture</a:t>
             </a:r>
             <a:endParaRPr lang="en-US" dirty="0"/>
           </a:p>
@@ -3777,6 +4421,246 @@
           <a:p>
             <a:r>
               <a:rPr lang="en-US" dirty="0" smtClean="0"/>
+              <a:t>A well can have … multiple parent wells!</a:t>
+            </a:r>
+          </a:p>
+          <a:p>
+            <a:r>
+              <a:rPr lang="en-US" dirty="0" smtClean="0"/>
+              <a:t>Re-arrays, parameter validation</a:t>
+            </a:r>
+          </a:p>
+          <a:p>
+            <a:r>
+              <a:rPr lang="en-US" dirty="0" smtClean="0"/>
+              <a:t>Shares QC system with HTGT2</a:t>
+            </a:r>
+          </a:p>
+          <a:p>
+            <a:pPr lvl="1"/>
+            <a:r>
+              <a:rPr lang="en-US" dirty="0" smtClean="0"/>
+              <a:t>For Farm3 submission</a:t>
+            </a:r>
+          </a:p>
+          <a:p>
+            <a:r>
+              <a:rPr lang="en-US" dirty="0" smtClean="0"/>
+              <a:t>Directed Cyclic Graph</a:t>
+            </a:r>
+          </a:p>
+          <a:p>
+            <a:pPr lvl="1"/>
+            <a:r>
+              <a:rPr lang="en-US" dirty="0" smtClean="0"/>
+              <a:t>Support is limited in </a:t>
+            </a:r>
+            <a:r>
+              <a:rPr lang="en-US" dirty="0" err="1" smtClean="0"/>
+              <a:t>DBIx</a:t>
+            </a:r>
+            <a:r>
+              <a:rPr lang="en-US" dirty="0" smtClean="0"/>
+              <a:t>::Class</a:t>
+            </a:r>
+          </a:p>
+          <a:p>
+            <a:pPr lvl="1"/>
+            <a:r>
+              <a:rPr lang="en-US" dirty="0" smtClean="0"/>
+              <a:t>‘WITH RECURSIVE’ required in </a:t>
+            </a:r>
+            <a:r>
+              <a:rPr lang="en-US" dirty="0" err="1" smtClean="0"/>
+              <a:t>PostgreSQL</a:t>
+            </a:r>
+            <a:r>
+              <a:rPr lang="en-US" dirty="0" smtClean="0"/>
+              <a:t> to permit searching across the graph</a:t>
+            </a:r>
+          </a:p>
+          <a:p>
+            <a:pPr lvl="2"/>
+            <a:r>
+              <a:rPr lang="en-US" dirty="0" smtClean="0"/>
+              <a:t>No support in </a:t>
+            </a:r>
+            <a:r>
+              <a:rPr lang="en-US" dirty="0" err="1" smtClean="0"/>
+              <a:t>DBIx</a:t>
+            </a:r>
+            <a:r>
+              <a:rPr lang="en-US" dirty="0" smtClean="0"/>
+              <a:t>::Class … yet</a:t>
+            </a:r>
+          </a:p>
+          <a:p>
+            <a:pPr lvl="2"/>
+            <a:r>
+              <a:rPr lang="en-US" dirty="0" smtClean="0"/>
+              <a:t>Required for </a:t>
+            </a:r>
+            <a:r>
+              <a:rPr lang="en-US" smtClean="0"/>
+              <a:t>fast reporting</a:t>
+            </a:r>
+            <a:endParaRPr lang="en-US" dirty="0"/>
+          </a:p>
+        </p:txBody>
+      </p:sp>
+    </p:spTree>
+    <p:extLst>
+      <p:ext uri="{BB962C8B-B14F-4D97-AF65-F5344CB8AC3E}">
+        <p14:creationId xmlns:p14="http://schemas.microsoft.com/office/powerpoint/2010/main" val="1998424295"/>
+      </p:ext>
+    </p:extLst>
+  </p:cSld>
+  <p:clrMapOvr>
+    <a:masterClrMapping/>
+  </p:clrMapOvr>
+</p:sld>
+</file>
+
+<file path=ppt/slides/slide8.xml><?xml version="1.0" encoding="utf-8"?>
+<p:sld xmlns:a="http://schemas.openxmlformats.org/drawingml/2006/main" xmlns:r="http://schemas.openxmlformats.org/officeDocument/2006/relationships" xmlns:p="http://schemas.openxmlformats.org/presentationml/2006/main">
+  <p:cSld>
+    <p:spTree>
+      <p:nvGrpSpPr>
+        <p:cNvPr id="1" name=""/>
+        <p:cNvGrpSpPr/>
+        <p:nvPr/>
+      </p:nvGrpSpPr>
+      <p:grpSpPr>
+        <a:xfrm>
+          <a:off x="0" y="0"/>
+          <a:ext cx="0" cy="0"/>
+          <a:chOff x="0" y="0"/>
+          <a:chExt cx="0" cy="0"/>
+        </a:xfrm>
+      </p:grpSpPr>
+      <p:sp>
+        <p:nvSpPr>
+          <p:cNvPr id="2" name="Title 1"/>
+          <p:cNvSpPr>
+            <a:spLocks noGrp="1"/>
+          </p:cNvSpPr>
+          <p:nvPr>
+            <p:ph type="title"/>
+          </p:nvPr>
+        </p:nvSpPr>
+        <p:spPr/>
+        <p:txBody>
+          <a:bodyPr/>
+          <a:lstStyle/>
+          <a:p>
+            <a:r>
+              <a:rPr lang="en-US" dirty="0" smtClean="0"/>
+              <a:t>Wiki Documentation</a:t>
+            </a:r>
+            <a:endParaRPr lang="en-US" dirty="0"/>
+          </a:p>
+        </p:txBody>
+      </p:sp>
+      <p:pic>
+        <p:nvPicPr>
+          <p:cNvPr id="4" name="Picture 3"/>
+          <p:cNvPicPr>
+            <a:picLocks noChangeAspect="1"/>
+          </p:cNvPicPr>
+          <p:nvPr/>
+        </p:nvPicPr>
+        <p:blipFill rotWithShape="1">
+          <a:blip r:embed="rId2"/>
+          <a:srcRect t="9177"/>
+          <a:stretch/>
+        </p:blipFill>
+        <p:spPr>
+          <a:xfrm>
+            <a:off x="1281199" y="1632623"/>
+            <a:ext cx="6886090" cy="4854522"/>
+          </a:xfrm>
+          <a:prstGeom prst="rect">
+            <a:avLst/>
+          </a:prstGeom>
+        </p:spPr>
+      </p:pic>
+    </p:spTree>
+    <p:extLst>
+      <p:ext uri="{BB962C8B-B14F-4D97-AF65-F5344CB8AC3E}">
+        <p14:creationId xmlns:p14="http://schemas.microsoft.com/office/powerpoint/2010/main" val="1161154850"/>
+      </p:ext>
+    </p:extLst>
+  </p:cSld>
+  <p:clrMapOvr>
+    <a:masterClrMapping/>
+  </p:clrMapOvr>
+</p:sld>
+</file>
+
+<file path=ppt/slides/slide9.xml><?xml version="1.0" encoding="utf-8"?>
+<p:sld xmlns:a="http://schemas.openxmlformats.org/drawingml/2006/main" xmlns:r="http://schemas.openxmlformats.org/officeDocument/2006/relationships" xmlns:p="http://schemas.openxmlformats.org/presentationml/2006/main">
+  <p:cSld>
+    <p:spTree>
+      <p:nvGrpSpPr>
+        <p:cNvPr id="1" name=""/>
+        <p:cNvGrpSpPr/>
+        <p:nvPr/>
+      </p:nvGrpSpPr>
+      <p:grpSpPr>
+        <a:xfrm>
+          <a:off x="0" y="0"/>
+          <a:ext cx="0" cy="0"/>
+          <a:chOff x="0" y="0"/>
+          <a:chExt cx="0" cy="0"/>
+        </a:xfrm>
+      </p:grpSpPr>
+      <p:sp>
+        <p:nvSpPr>
+          <p:cNvPr id="2" name="Title 1"/>
+          <p:cNvSpPr>
+            <a:spLocks noGrp="1"/>
+          </p:cNvSpPr>
+          <p:nvPr>
+            <p:ph type="title"/>
+          </p:nvPr>
+        </p:nvSpPr>
+        <p:spPr/>
+        <p:txBody>
+          <a:bodyPr/>
+          <a:lstStyle/>
+          <a:p>
+            <a:r>
+              <a:rPr lang="en-US" dirty="0" smtClean="0"/>
+              <a:t>Acknowledgements</a:t>
+            </a:r>
+            <a:endParaRPr lang="en-US" dirty="0"/>
+          </a:p>
+        </p:txBody>
+      </p:sp>
+      <p:sp>
+        <p:nvSpPr>
+          <p:cNvPr id="3" name="Content Placeholder 2"/>
+          <p:cNvSpPr>
+            <a:spLocks noGrp="1"/>
+          </p:cNvSpPr>
+          <p:nvPr>
+            <p:ph idx="1"/>
+          </p:nvPr>
+        </p:nvSpPr>
+        <p:spPr>
+          <a:xfrm>
+            <a:off x="549275" y="1600201"/>
+            <a:ext cx="3429187" cy="4343400"/>
+          </a:xfrm>
+        </p:spPr>
+        <p:txBody>
+          <a:bodyPr>
+            <a:normAutofit lnSpcReduction="10000"/>
+          </a:bodyPr>
+          <a:lstStyle/>
+          <a:p>
+            <a:r>
+              <a:rPr lang="en-US" dirty="0" smtClean="0"/>
               <a:t>Informatics Group</a:t>
             </a:r>
           </a:p>
@@ -3811,7 +4695,7 @@
               <a:t>Saj</a:t>
             </a:r>
             <a:r>
-              <a:rPr lang="en-US" smtClean="0"/>
+              <a:rPr lang="en-US" dirty="0" smtClean="0"/>
               <a:t> Pereira</a:t>
             </a:r>
           </a:p>
@@ -3878,6 +4762,292 @@
             <a:r>
               <a:rPr lang="en-US" dirty="0" err="1" smtClean="0"/>
               <a:t>Easty</a:t>
+            </a:r>
+            <a:endParaRPr lang="en-US" dirty="0"/>
+          </a:p>
+        </p:txBody>
+      </p:sp>
+      <p:sp>
+        <p:nvSpPr>
+          <p:cNvPr id="4" name="Content Placeholder 2"/>
+          <p:cNvSpPr txBox="1">
+            <a:spLocks/>
+          </p:cNvSpPr>
+          <p:nvPr/>
+        </p:nvSpPr>
+        <p:spPr>
+          <a:xfrm>
+            <a:off x="4545273" y="2730837"/>
+            <a:ext cx="3429187" cy="2122145"/>
+          </a:xfrm>
+          <a:prstGeom prst="rect">
+            <a:avLst/>
+          </a:prstGeom>
+        </p:spPr>
+        <p:txBody>
+          <a:bodyPr vert="horz" lIns="91440" tIns="45720" rIns="91440" bIns="45720" rtlCol="0">
+            <a:normAutofit/>
+          </a:bodyPr>
+          <a:lstStyle>
+            <a:lvl1pPr marL="349250" indent="-349250" algn="l" defTabSz="914400" rtl="0" eaLnBrk="1" latinLnBrk="0" hangingPunct="1">
+              <a:spcBef>
+                <a:spcPts val="2000"/>
+              </a:spcBef>
+              <a:buClr>
+                <a:schemeClr val="accent1">
+                  <a:lumMod val="60000"/>
+                  <a:lumOff val="40000"/>
+                </a:schemeClr>
+              </a:buClr>
+              <a:buSzPct val="110000"/>
+              <a:buFont typeface="Wingdings 2" pitchFamily="18" charset="2"/>
+              <a:buChar char=""/>
+              <a:defRPr sz="2400" kern="1200">
+                <a:solidFill>
+                  <a:schemeClr val="tx1">
+                    <a:lumMod val="65000"/>
+                    <a:lumOff val="35000"/>
+                  </a:schemeClr>
+                </a:solidFill>
+                <a:latin typeface="+mn-lt"/>
+                <a:ea typeface="+mn-ea"/>
+                <a:cs typeface="+mn-cs"/>
+              </a:defRPr>
+            </a:lvl1pPr>
+            <a:lvl2pPr marL="685800" indent="-336550" algn="l" defTabSz="914400" rtl="0" eaLnBrk="1" latinLnBrk="0" hangingPunct="1">
+              <a:spcBef>
+                <a:spcPts val="600"/>
+              </a:spcBef>
+              <a:buClr>
+                <a:schemeClr val="accent1">
+                  <a:lumMod val="75000"/>
+                </a:schemeClr>
+              </a:buClr>
+              <a:buSzPct val="110000"/>
+              <a:buFont typeface="Wingdings 2" pitchFamily="18" charset="2"/>
+              <a:buChar char=""/>
+              <a:defRPr sz="2200" kern="1200">
+                <a:solidFill>
+                  <a:schemeClr val="tx1">
+                    <a:lumMod val="65000"/>
+                    <a:lumOff val="35000"/>
+                  </a:schemeClr>
+                </a:solidFill>
+                <a:latin typeface="+mn-lt"/>
+                <a:ea typeface="+mn-ea"/>
+                <a:cs typeface="+mn-cs"/>
+              </a:defRPr>
+            </a:lvl2pPr>
+            <a:lvl3pPr marL="968375" indent="-282575" algn="l" defTabSz="914400" rtl="0" eaLnBrk="1" latinLnBrk="0" hangingPunct="1">
+              <a:spcBef>
+                <a:spcPts val="600"/>
+              </a:spcBef>
+              <a:buClr>
+                <a:schemeClr val="accent1">
+                  <a:lumMod val="60000"/>
+                  <a:lumOff val="40000"/>
+                </a:schemeClr>
+              </a:buClr>
+              <a:buSzPct val="110000"/>
+              <a:buFont typeface="Wingdings 2" pitchFamily="18" charset="2"/>
+              <a:buChar char=""/>
+              <a:defRPr sz="2000" kern="1200">
+                <a:solidFill>
+                  <a:schemeClr val="tx1">
+                    <a:lumMod val="65000"/>
+                    <a:lumOff val="35000"/>
+                  </a:schemeClr>
+                </a:solidFill>
+                <a:latin typeface="+mn-lt"/>
+                <a:ea typeface="+mn-ea"/>
+                <a:cs typeface="+mn-cs"/>
+              </a:defRPr>
+            </a:lvl3pPr>
+            <a:lvl4pPr marL="1263650" indent="-295275" algn="l" defTabSz="914400" rtl="0" eaLnBrk="1" latinLnBrk="0" hangingPunct="1">
+              <a:spcBef>
+                <a:spcPts val="600"/>
+              </a:spcBef>
+              <a:buClr>
+                <a:schemeClr val="accent1">
+                  <a:lumMod val="75000"/>
+                </a:schemeClr>
+              </a:buClr>
+              <a:buSzPct val="110000"/>
+              <a:buFont typeface="Wingdings 2" pitchFamily="18" charset="2"/>
+              <a:buChar char=""/>
+              <a:defRPr sz="1800" kern="1200">
+                <a:solidFill>
+                  <a:schemeClr val="tx1">
+                    <a:lumMod val="65000"/>
+                    <a:lumOff val="35000"/>
+                  </a:schemeClr>
+                </a:solidFill>
+                <a:latin typeface="+mn-lt"/>
+                <a:ea typeface="+mn-ea"/>
+                <a:cs typeface="+mn-cs"/>
+              </a:defRPr>
+            </a:lvl4pPr>
+            <a:lvl5pPr marL="1546225" indent="-282575" algn="l" defTabSz="914400" rtl="0" eaLnBrk="1" latinLnBrk="0" hangingPunct="1">
+              <a:spcBef>
+                <a:spcPts val="600"/>
+              </a:spcBef>
+              <a:buClr>
+                <a:schemeClr val="accent1">
+                  <a:lumMod val="60000"/>
+                  <a:lumOff val="40000"/>
+                </a:schemeClr>
+              </a:buClr>
+              <a:buSzPct val="110000"/>
+              <a:buFont typeface="Wingdings 2" pitchFamily="18" charset="2"/>
+              <a:buChar char=""/>
+              <a:defRPr sz="1800" kern="1200">
+                <a:solidFill>
+                  <a:schemeClr val="tx1">
+                    <a:lumMod val="65000"/>
+                    <a:lumOff val="35000"/>
+                  </a:schemeClr>
+                </a:solidFill>
+                <a:latin typeface="+mn-lt"/>
+                <a:ea typeface="+mn-ea"/>
+                <a:cs typeface="+mn-cs"/>
+              </a:defRPr>
+            </a:lvl5pPr>
+            <a:lvl6pPr marL="1828800" indent="-282575" algn="l" defTabSz="914400" rtl="0" eaLnBrk="1" latinLnBrk="0" hangingPunct="1">
+              <a:spcBef>
+                <a:spcPct val="20000"/>
+              </a:spcBef>
+              <a:buClr>
+                <a:schemeClr val="accent2"/>
+              </a:buClr>
+              <a:buSzPct val="110000"/>
+              <a:buFont typeface="Wingdings 2" pitchFamily="18" charset="2"/>
+              <a:buChar char=""/>
+              <a:defRPr lang="en-US" sz="1800" kern="1200" dirty="0" smtClean="0">
+                <a:solidFill>
+                  <a:schemeClr val="tx1">
+                    <a:lumMod val="65000"/>
+                    <a:lumOff val="35000"/>
+                  </a:schemeClr>
+                </a:solidFill>
+                <a:latin typeface="+mn-lt"/>
+                <a:ea typeface="+mn-ea"/>
+                <a:cs typeface="+mn-cs"/>
+              </a:defRPr>
+            </a:lvl6pPr>
+            <a:lvl7pPr marL="2117725" indent="-282575" algn="l" defTabSz="914400" rtl="0" eaLnBrk="1" latinLnBrk="0" hangingPunct="1">
+              <a:spcBef>
+                <a:spcPct val="20000"/>
+              </a:spcBef>
+              <a:buClr>
+                <a:schemeClr val="accent1">
+                  <a:lumMod val="60000"/>
+                  <a:lumOff val="40000"/>
+                </a:schemeClr>
+              </a:buClr>
+              <a:buSzPct val="110000"/>
+              <a:buFont typeface="Wingdings 2" pitchFamily="18" charset="2"/>
+              <a:buChar char=""/>
+              <a:defRPr lang="en-US" sz="1800" kern="1200" dirty="0" smtClean="0">
+                <a:solidFill>
+                  <a:schemeClr val="tx1">
+                    <a:lumMod val="65000"/>
+                    <a:lumOff val="35000"/>
+                  </a:schemeClr>
+                </a:solidFill>
+                <a:latin typeface="+mn-lt"/>
+                <a:ea typeface="+mn-ea"/>
+                <a:cs typeface="+mn-cs"/>
+              </a:defRPr>
+            </a:lvl7pPr>
+            <a:lvl8pPr marL="2398713" indent="-282575" algn="l" defTabSz="914400" rtl="0" eaLnBrk="1" latinLnBrk="0" hangingPunct="1">
+              <a:spcBef>
+                <a:spcPct val="20000"/>
+              </a:spcBef>
+              <a:buClr>
+                <a:schemeClr val="accent2"/>
+              </a:buClr>
+              <a:buSzPct val="110000"/>
+              <a:buFont typeface="Wingdings 2" pitchFamily="18" charset="2"/>
+              <a:buChar char=""/>
+              <a:defRPr lang="en-US" sz="1800" kern="1200" dirty="0" smtClean="0">
+                <a:solidFill>
+                  <a:schemeClr val="tx1">
+                    <a:lumMod val="65000"/>
+                    <a:lumOff val="35000"/>
+                  </a:schemeClr>
+                </a:solidFill>
+                <a:latin typeface="+mn-lt"/>
+                <a:ea typeface="+mn-ea"/>
+                <a:cs typeface="+mn-cs"/>
+              </a:defRPr>
+            </a:lvl8pPr>
+            <a:lvl9pPr marL="2689225" indent="-282575" algn="l" defTabSz="914400" rtl="0" eaLnBrk="1" latinLnBrk="0" hangingPunct="1">
+              <a:spcBef>
+                <a:spcPct val="20000"/>
+              </a:spcBef>
+              <a:buClr>
+                <a:schemeClr val="accent1">
+                  <a:lumMod val="60000"/>
+                  <a:lumOff val="40000"/>
+                </a:schemeClr>
+              </a:buClr>
+              <a:buSzPct val="110000"/>
+              <a:buFont typeface="Wingdings 2" pitchFamily="18" charset="2"/>
+              <a:buChar char=""/>
+              <a:defRPr lang="en-US" sz="1800" kern="1200" dirty="0">
+                <a:solidFill>
+                  <a:schemeClr val="tx1">
+                    <a:lumMod val="65000"/>
+                    <a:lumOff val="35000"/>
+                  </a:schemeClr>
+                </a:solidFill>
+                <a:latin typeface="+mn-lt"/>
+                <a:ea typeface="+mn-ea"/>
+                <a:cs typeface="+mn-cs"/>
+              </a:defRPr>
+            </a:lvl9pPr>
+          </a:lstStyle>
+          <a:p>
+            <a:r>
+              <a:rPr lang="en-US" dirty="0" smtClean="0"/>
+              <a:t>Scientists</a:t>
+            </a:r>
+          </a:p>
+          <a:p>
+            <a:pPr lvl="1"/>
+            <a:r>
+              <a:rPr lang="en-US" dirty="0" smtClean="0"/>
+              <a:t>Wendy </a:t>
+            </a:r>
+            <a:r>
+              <a:rPr lang="en-US" dirty="0" err="1" smtClean="0"/>
+              <a:t>Bushell</a:t>
+            </a:r>
+            <a:endParaRPr lang="en-US" dirty="0" smtClean="0"/>
+          </a:p>
+          <a:p>
+            <a:pPr lvl="1"/>
+            <a:r>
+              <a:rPr lang="en-US" dirty="0" smtClean="0"/>
+              <a:t>Barry Rosen</a:t>
+            </a:r>
+          </a:p>
+          <a:p>
+            <a:pPr lvl="1"/>
+            <a:r>
+              <a:rPr lang="en-US" dirty="0" smtClean="0"/>
+              <a:t>Mark Thomas</a:t>
+            </a:r>
+          </a:p>
+          <a:p>
+            <a:pPr lvl="1"/>
+            <a:r>
+              <a:rPr lang="en-US" dirty="0" smtClean="0"/>
+              <a:t>Bill </a:t>
+            </a:r>
+            <a:r>
+              <a:rPr lang="en-US" dirty="0" err="1" smtClean="0"/>
+              <a:t>Skarnes</a:t>
             </a:r>
             <a:endParaRPr lang="en-US" dirty="0"/>
           </a:p>

--- a/IMG-2015.pptx
+++ b/IMG-2015.pptx
@@ -6,14 +6,22 @@
   </p:sldMasterIdLst>
   <p:sldIdLst>
     <p:sldId id="256" r:id="rId2"/>
-    <p:sldId id="258" r:id="rId3"/>
-    <p:sldId id="260" r:id="rId4"/>
-    <p:sldId id="261" r:id="rId5"/>
-    <p:sldId id="262" r:id="rId6"/>
-    <p:sldId id="263" r:id="rId7"/>
-    <p:sldId id="264" r:id="rId8"/>
-    <p:sldId id="259" r:id="rId9"/>
-    <p:sldId id="257" r:id="rId10"/>
+    <p:sldId id="272" r:id="rId3"/>
+    <p:sldId id="258" r:id="rId4"/>
+    <p:sldId id="260" r:id="rId5"/>
+    <p:sldId id="261" r:id="rId6"/>
+    <p:sldId id="262" r:id="rId7"/>
+    <p:sldId id="263" r:id="rId8"/>
+    <p:sldId id="264" r:id="rId9"/>
+    <p:sldId id="265" r:id="rId10"/>
+    <p:sldId id="269" r:id="rId11"/>
+    <p:sldId id="271" r:id="rId12"/>
+    <p:sldId id="270" r:id="rId13"/>
+    <p:sldId id="266" r:id="rId14"/>
+    <p:sldId id="267" r:id="rId15"/>
+    <p:sldId id="268" r:id="rId16"/>
+    <p:sldId id="259" r:id="rId17"/>
+    <p:sldId id="257" r:id="rId18"/>
   </p:sldIdLst>
   <p:sldSz cx="9144000" cy="6858000" type="screen4x3"/>
   <p:notesSz cx="6858000" cy="9144000"/>
@@ -3722,10 +3730,17 @@
   <p:clrMapOvr>
     <a:masterClrMapping/>
   </p:clrMapOvr>
+  <p:timing>
+    <p:tnLst>
+      <p:par>
+        <p:cTn xmlns:p14="http://schemas.microsoft.com/office/powerpoint/2010/main" id="1" dur="indefinite" restart="never" nodeType="tmRoot"/>
+      </p:par>
+    </p:tnLst>
+  </p:timing>
 </p:sld>
 </file>
 
-<file path=ppt/slides/slide2.xml><?xml version="1.0" encoding="utf-8"?>
+<file path=ppt/slides/slide10.xml><?xml version="1.0" encoding="utf-8"?>
 <p:sld xmlns:a="http://schemas.openxmlformats.org/drawingml/2006/main" xmlns:r="http://schemas.openxmlformats.org/officeDocument/2006/relationships" xmlns:p="http://schemas.openxmlformats.org/presentationml/2006/main">
   <p:cSld>
     <p:spTree>
@@ -3759,7 +3774,7 @@
           <a:p>
             <a:r>
               <a:rPr lang="en-US" dirty="0" smtClean="0"/>
-              <a:t>The Landscape</a:t>
+              <a:t>LIMS2 Public Access</a:t>
             </a:r>
             <a:endParaRPr lang="en-US" dirty="0"/>
           </a:p>
@@ -3767,7 +3782,7 @@
       </p:sp>
       <p:pic>
         <p:nvPicPr>
-          <p:cNvPr id="4" name="Picture 3"/>
+          <p:cNvPr id="5" name="Picture 4"/>
           <p:cNvPicPr>
             <a:picLocks noChangeAspect="1"/>
           </p:cNvPicPr>
@@ -3775,75 +3790,40 @@
         </p:nvPicPr>
         <p:blipFill rotWithShape="1">
           <a:blip r:embed="rId2"/>
-          <a:srcRect l="6161" t="9504" r="6833" b="41664"/>
+          <a:srcRect t="17978"/>
           <a:stretch/>
         </p:blipFill>
         <p:spPr>
           <a:xfrm>
-            <a:off x="696793" y="2213889"/>
-            <a:ext cx="7687197" cy="3348930"/>
+            <a:off x="0" y="2079033"/>
+            <a:ext cx="9144000" cy="3011744"/>
           </a:xfrm>
           <a:prstGeom prst="rect">
             <a:avLst/>
           </a:prstGeom>
         </p:spPr>
       </p:pic>
-      <p:sp>
-        <p:nvSpPr>
-          <p:cNvPr id="5" name="TextBox 4"/>
-          <p:cNvSpPr txBox="1"/>
-          <p:nvPr/>
-        </p:nvSpPr>
-        <p:spPr>
-          <a:xfrm>
-            <a:off x="1168814" y="1651989"/>
-            <a:ext cx="6754394" cy="369332"/>
-          </a:xfrm>
-          <a:prstGeom prst="rect">
-            <a:avLst/>
-          </a:prstGeom>
-          <a:noFill/>
-        </p:spPr>
-        <p:txBody>
-          <a:bodyPr wrap="square" rtlCol="0">
-            <a:spAutoFit/>
-          </a:bodyPr>
-          <a:lstStyle/>
-          <a:p>
-            <a:r>
-              <a:rPr lang="en-US" dirty="0" smtClean="0"/>
-              <a:t>URL: </a:t>
-            </a:r>
-            <a:r>
-              <a:rPr lang="en-US" dirty="0" err="1" smtClean="0"/>
-              <a:t>www.sanger.ac.uk</a:t>
-            </a:r>
-            <a:r>
-              <a:rPr lang="en-US" dirty="0" smtClean="0"/>
-              <a:t>/</a:t>
-            </a:r>
-            <a:r>
-              <a:rPr lang="en-US" dirty="0" err="1" smtClean="0"/>
-              <a:t>htgt</a:t>
-            </a:r>
-            <a:endParaRPr lang="en-US" dirty="0"/>
-          </a:p>
-        </p:txBody>
-      </p:sp>
     </p:spTree>
     <p:extLst>
       <p:ext uri="{BB962C8B-B14F-4D97-AF65-F5344CB8AC3E}">
-        <p14:creationId xmlns:p14="http://schemas.microsoft.com/office/powerpoint/2010/main" val="3386116897"/>
+        <p14:creationId xmlns:p14="http://schemas.microsoft.com/office/powerpoint/2010/main" val="841876112"/>
       </p:ext>
     </p:extLst>
   </p:cSld>
   <p:clrMapOvr>
     <a:masterClrMapping/>
   </p:clrMapOvr>
+  <p:timing>
+    <p:tnLst>
+      <p:par>
+        <p:cTn xmlns:p14="http://schemas.microsoft.com/office/powerpoint/2010/main" id="1" dur="indefinite" restart="never" nodeType="tmRoot"/>
+      </p:par>
+    </p:tnLst>
+  </p:timing>
 </p:sld>
 </file>
 
-<file path=ppt/slides/slide3.xml><?xml version="1.0" encoding="utf-8"?>
+<file path=ppt/slides/slide11.xml><?xml version="1.0" encoding="utf-8"?>
 <p:sld xmlns:a="http://schemas.openxmlformats.org/drawingml/2006/main" xmlns:r="http://schemas.openxmlformats.org/officeDocument/2006/relationships" xmlns:p="http://schemas.openxmlformats.org/presentationml/2006/main">
   <p:cSld>
     <p:spTree>
@@ -3877,97 +3857,39 @@
           <a:p>
             <a:r>
               <a:rPr lang="en-US" dirty="0" smtClean="0"/>
-              <a:t>HTGT</a:t>
+              <a:t>Drill down …</a:t>
             </a:r>
             <a:endParaRPr lang="en-US" dirty="0"/>
           </a:p>
         </p:txBody>
       </p:sp>
-      <p:sp>
-        <p:nvSpPr>
-          <p:cNvPr id="3" name="Content Placeholder 2"/>
-          <p:cNvSpPr>
-            <a:spLocks noGrp="1"/>
-          </p:cNvSpPr>
-          <p:nvPr>
-            <p:ph idx="1"/>
-          </p:nvPr>
-        </p:nvSpPr>
-        <p:spPr/>
-        <p:txBody>
-          <a:bodyPr/>
-          <a:lstStyle/>
-          <a:p>
-            <a:r>
-              <a:rPr lang="en-US" dirty="0" smtClean="0"/>
-              <a:t>HTGT – High-Throughput Gene Targeting</a:t>
-            </a:r>
-          </a:p>
-          <a:p>
-            <a:pPr lvl="1"/>
-            <a:r>
-              <a:rPr lang="en-US" dirty="0" smtClean="0"/>
-              <a:t>The ‘original’ LIMS for Team87</a:t>
-            </a:r>
-          </a:p>
-          <a:p>
-            <a:pPr lvl="1"/>
-            <a:r>
-              <a:rPr lang="en-US" dirty="0" smtClean="0"/>
-              <a:t>Perl/Catalyst/DBI/</a:t>
-            </a:r>
-            <a:r>
-              <a:rPr lang="en-US" dirty="0" err="1" smtClean="0"/>
-              <a:t>DBIx</a:t>
-            </a:r>
-            <a:r>
-              <a:rPr lang="en-US" dirty="0" smtClean="0"/>
-              <a:t>::Class/Oracle</a:t>
-            </a:r>
-          </a:p>
-          <a:p>
-            <a:pPr lvl="1"/>
-            <a:r>
-              <a:rPr lang="en-US" dirty="0" smtClean="0"/>
-              <a:t>Was running on Etch (aka ancient version of </a:t>
-            </a:r>
-            <a:r>
-              <a:rPr lang="en-US" dirty="0" err="1" smtClean="0"/>
-              <a:t>Debian</a:t>
-            </a:r>
-            <a:r>
-              <a:rPr lang="en-US" dirty="0" smtClean="0"/>
-              <a:t>)</a:t>
-            </a:r>
-          </a:p>
-          <a:p>
-            <a:pPr lvl="1"/>
-            <a:r>
-              <a:rPr lang="en-US" dirty="0" smtClean="0"/>
-              <a:t>A ‘legacy’ system supporting Mouse (only)</a:t>
-            </a:r>
-          </a:p>
-          <a:p>
-            <a:pPr lvl="1"/>
-            <a:r>
-              <a:rPr lang="en-US" dirty="0" smtClean="0"/>
-              <a:t>Essentially relational ‘one well -&gt; one parent’ model</a:t>
-            </a:r>
-          </a:p>
-          <a:p>
-            <a:pPr lvl="2"/>
-            <a:r>
-              <a:rPr lang="en-US" dirty="0" smtClean="0"/>
-              <a:t>A kind of tree</a:t>
-            </a:r>
-            <a:endParaRPr lang="en-US" dirty="0"/>
-          </a:p>
-        </p:txBody>
-      </p:sp>
+      <p:pic>
+        <p:nvPicPr>
+          <p:cNvPr id="4" name="Picture 3"/>
+          <p:cNvPicPr>
+            <a:picLocks noChangeAspect="1"/>
+          </p:cNvPicPr>
+          <p:nvPr/>
+        </p:nvPicPr>
+        <p:blipFill rotWithShape="1">
+          <a:blip r:embed="rId2"/>
+          <a:srcRect l="8726" t="10270" r="10646"/>
+          <a:stretch/>
+        </p:blipFill>
+        <p:spPr>
+          <a:xfrm>
+            <a:off x="797940" y="1786843"/>
+            <a:ext cx="7372517" cy="4778967"/>
+          </a:xfrm>
+          <a:prstGeom prst="rect">
+            <a:avLst/>
+          </a:prstGeom>
+        </p:spPr>
+      </p:pic>
     </p:spTree>
     <p:extLst>
       <p:ext uri="{BB962C8B-B14F-4D97-AF65-F5344CB8AC3E}">
-        <p14:creationId xmlns:p14="http://schemas.microsoft.com/office/powerpoint/2010/main" val="1989526936"/>
+        <p14:creationId xmlns:p14="http://schemas.microsoft.com/office/powerpoint/2010/main" val="545840622"/>
       </p:ext>
     </p:extLst>
   </p:cSld>
@@ -3977,7 +3899,7 @@
 </p:sld>
 </file>
 
-<file path=ppt/slides/slide4.xml><?xml version="1.0" encoding="utf-8"?>
+<file path=ppt/slides/slide12.xml><?xml version="1.0" encoding="utf-8"?>
 <p:sld xmlns:a="http://schemas.openxmlformats.org/drawingml/2006/main" xmlns:r="http://schemas.openxmlformats.org/officeDocument/2006/relationships" xmlns:p="http://schemas.openxmlformats.org/presentationml/2006/main">
   <p:cSld>
     <p:spTree>
@@ -4011,121 +3933,39 @@
           <a:p>
             <a:r>
               <a:rPr lang="en-US" dirty="0" smtClean="0"/>
-              <a:t>HTGT2 – The migration</a:t>
+              <a:t>CRISPR QC Trace Viewer</a:t>
             </a:r>
             <a:endParaRPr lang="en-US" dirty="0"/>
           </a:p>
         </p:txBody>
       </p:sp>
-      <p:sp>
-        <p:nvSpPr>
-          <p:cNvPr id="3" name="Content Placeholder 2"/>
-          <p:cNvSpPr>
-            <a:spLocks noGrp="1"/>
-          </p:cNvSpPr>
-          <p:nvPr>
-            <p:ph idx="1"/>
-          </p:nvPr>
-        </p:nvSpPr>
-        <p:spPr/>
-        <p:txBody>
-          <a:bodyPr/>
-          <a:lstStyle/>
-          <a:p>
-            <a:r>
-              <a:rPr lang="en-US" dirty="0" smtClean="0"/>
-              <a:t>Removal of support for Etch</a:t>
-            </a:r>
-          </a:p>
-          <a:p>
-            <a:pPr lvl="1"/>
-            <a:r>
-              <a:rPr lang="en-US" dirty="0" smtClean="0"/>
-              <a:t>drives effort to migrate to Ubuntu Precise (VMs)</a:t>
-            </a:r>
-          </a:p>
-          <a:p>
-            <a:pPr lvl="1"/>
-            <a:r>
-              <a:rPr lang="en-US" dirty="0" smtClean="0"/>
-              <a:t>The painstaking task of gathering all Perl modules required:</a:t>
-            </a:r>
-          </a:p>
-          <a:p>
-            <a:pPr lvl="2"/>
-            <a:r>
-              <a:rPr lang="en-US" dirty="0" smtClean="0"/>
-              <a:t>Local – multiple subversion repositories re-</a:t>
-            </a:r>
-            <a:r>
-              <a:rPr lang="en-US" dirty="0" err="1" smtClean="0"/>
-              <a:t>organised</a:t>
-            </a:r>
-            <a:r>
-              <a:rPr lang="en-US" dirty="0" smtClean="0"/>
-              <a:t> into handful of GIT repositories (using GIT </a:t>
-            </a:r>
-            <a:r>
-              <a:rPr lang="en-US" dirty="0" err="1" smtClean="0"/>
-              <a:t>submodules</a:t>
-            </a:r>
-            <a:r>
-              <a:rPr lang="en-US" dirty="0" smtClean="0"/>
-              <a:t>)</a:t>
-            </a:r>
-          </a:p>
-          <a:p>
-            <a:pPr lvl="3"/>
-            <a:r>
-              <a:rPr lang="en-US" dirty="0" err="1"/>
-              <a:t>h</a:t>
-            </a:r>
-            <a:r>
-              <a:rPr lang="en-US" dirty="0" err="1" smtClean="0"/>
-              <a:t>tgt</a:t>
-            </a:r>
-            <a:r>
-              <a:rPr lang="en-US" dirty="0" smtClean="0"/>
-              <a:t>-root</a:t>
-            </a:r>
-          </a:p>
-          <a:p>
-            <a:pPr lvl="3"/>
-            <a:r>
-              <a:rPr lang="en-US" dirty="0" err="1"/>
-              <a:t>h</a:t>
-            </a:r>
-            <a:r>
-              <a:rPr lang="en-US" dirty="0" err="1" smtClean="0"/>
-              <a:t>tgt</a:t>
-            </a:r>
-            <a:r>
-              <a:rPr lang="en-US" dirty="0" smtClean="0"/>
-              <a:t>-batch</a:t>
-            </a:r>
-          </a:p>
-          <a:p>
-            <a:pPr lvl="3"/>
-            <a:r>
-              <a:rPr lang="en-US" dirty="0" err="1"/>
-              <a:t>h</a:t>
-            </a:r>
-            <a:r>
-              <a:rPr lang="en-US" dirty="0" err="1" smtClean="0"/>
-              <a:t>tgt</a:t>
-            </a:r>
-            <a:r>
-              <a:rPr lang="en-US" dirty="0" smtClean="0"/>
-              <a:t>-app</a:t>
-            </a:r>
-            <a:endParaRPr lang="en-US" dirty="0"/>
-          </a:p>
-        </p:txBody>
-      </p:sp>
+      <p:pic>
+        <p:nvPicPr>
+          <p:cNvPr id="4" name="Picture 3"/>
+          <p:cNvPicPr>
+            <a:picLocks noChangeAspect="1"/>
+          </p:cNvPicPr>
+          <p:nvPr/>
+        </p:nvPicPr>
+        <p:blipFill rotWithShape="1">
+          <a:blip r:embed="rId2"/>
+          <a:srcRect l="11184" t="10169"/>
+          <a:stretch/>
+        </p:blipFill>
+        <p:spPr>
+          <a:xfrm>
+            <a:off x="549275" y="1640750"/>
+            <a:ext cx="8121288" cy="4784311"/>
+          </a:xfrm>
+          <a:prstGeom prst="rect">
+            <a:avLst/>
+          </a:prstGeom>
+        </p:spPr>
+      </p:pic>
     </p:spTree>
     <p:extLst>
       <p:ext uri="{BB962C8B-B14F-4D97-AF65-F5344CB8AC3E}">
-        <p14:creationId xmlns:p14="http://schemas.microsoft.com/office/powerpoint/2010/main" val="519769185"/>
+        <p14:creationId xmlns:p14="http://schemas.microsoft.com/office/powerpoint/2010/main" val="4141284344"/>
       </p:ext>
     </p:extLst>
   </p:cSld>
@@ -4135,7 +3975,7 @@
 </p:sld>
 </file>
 
-<file path=ppt/slides/slide5.xml><?xml version="1.0" encoding="utf-8"?>
+<file path=ppt/slides/slide13.xml><?xml version="1.0" encoding="utf-8"?>
 <p:sld xmlns:a="http://schemas.openxmlformats.org/drawingml/2006/main" xmlns:r="http://schemas.openxmlformats.org/officeDocument/2006/relationships" xmlns:p="http://schemas.openxmlformats.org/presentationml/2006/main">
   <p:cSld>
     <p:spTree>
@@ -4169,7 +4009,7 @@
           <a:p>
             <a:r>
               <a:rPr lang="en-US" dirty="0" smtClean="0"/>
-              <a:t>HTGT2 code repo</a:t>
+              <a:t>WGE</a:t>
             </a:r>
             <a:endParaRPr lang="en-US" dirty="0"/>
           </a:p>
@@ -4185,13 +4025,13 @@
         </p:nvPicPr>
         <p:blipFill rotWithShape="1">
           <a:blip r:embed="rId2"/>
-          <a:srcRect l="11306" t="17323" r="35597" b="12474"/>
+          <a:srcRect t="9340" b="18067"/>
           <a:stretch/>
         </p:blipFill>
         <p:spPr>
           <a:xfrm>
-            <a:off x="2090377" y="1579388"/>
-            <a:ext cx="4855073" cy="4562635"/>
+            <a:off x="152400" y="1444532"/>
+            <a:ext cx="8835307" cy="4978443"/>
           </a:xfrm>
           <a:prstGeom prst="rect">
             <a:avLst/>
@@ -4201,17 +4041,24 @@
     </p:spTree>
     <p:extLst>
       <p:ext uri="{BB962C8B-B14F-4D97-AF65-F5344CB8AC3E}">
-        <p14:creationId xmlns:p14="http://schemas.microsoft.com/office/powerpoint/2010/main" val="3942225474"/>
+        <p14:creationId xmlns:p14="http://schemas.microsoft.com/office/powerpoint/2010/main" val="1202331375"/>
       </p:ext>
     </p:extLst>
   </p:cSld>
   <p:clrMapOvr>
     <a:masterClrMapping/>
   </p:clrMapOvr>
+  <p:timing>
+    <p:tnLst>
+      <p:par>
+        <p:cTn xmlns:p14="http://schemas.microsoft.com/office/powerpoint/2010/main" id="1" dur="indefinite" restart="never" nodeType="tmRoot"/>
+      </p:par>
+    </p:tnLst>
+  </p:timing>
 </p:sld>
 </file>
 
-<file path=ppt/slides/slide6.xml><?xml version="1.0" encoding="utf-8"?>
+<file path=ppt/slides/slide14.xml><?xml version="1.0" encoding="utf-8"?>
 <p:sld xmlns:a="http://schemas.openxmlformats.org/drawingml/2006/main" xmlns:r="http://schemas.openxmlformats.org/officeDocument/2006/relationships" xmlns:p="http://schemas.openxmlformats.org/presentationml/2006/main">
   <p:cSld>
     <p:spTree>
@@ -4245,7 +4092,7 @@
           <a:p>
             <a:r>
               <a:rPr lang="en-US" dirty="0" smtClean="0"/>
-              <a:t>LIMS2</a:t>
+              <a:t>WGE - Implementation</a:t>
             </a:r>
             <a:endParaRPr lang="en-US" dirty="0"/>
           </a:p>
@@ -4263,55 +4110,18 @@
         </p:nvSpPr>
         <p:spPr/>
         <p:txBody>
-          <a:bodyPr>
-            <a:normAutofit/>
-          </a:bodyPr>
-          <a:lstStyle/>
-          <a:p>
-            <a:r>
-              <a:rPr lang="en-US" dirty="0" smtClean="0"/>
-              <a:t>Supports:</a:t>
-            </a:r>
-          </a:p>
-          <a:p>
-            <a:pPr lvl="1"/>
-            <a:r>
-              <a:rPr lang="en-US" dirty="0" smtClean="0"/>
-              <a:t>both Human and Mouse species</a:t>
-            </a:r>
-          </a:p>
-          <a:p>
-            <a:pPr lvl="1"/>
-            <a:r>
-              <a:rPr lang="en-US" dirty="0" smtClean="0"/>
-              <a:t>Gibson Designs</a:t>
-            </a:r>
-          </a:p>
-          <a:p>
-            <a:pPr lvl="1"/>
-            <a:r>
-              <a:rPr lang="en-US" dirty="0" smtClean="0"/>
-              <a:t>CRISPR/Cas9 support</a:t>
-            </a:r>
-          </a:p>
-          <a:p>
-            <a:r>
-              <a:rPr lang="en-US" dirty="0" smtClean="0"/>
-              <a:t>Runs on Ubuntu 10.04 (Lucid lynx)</a:t>
-            </a:r>
-          </a:p>
-          <a:p>
-            <a:pPr lvl="1"/>
-            <a:r>
-              <a:rPr lang="en-US" dirty="0" smtClean="0"/>
-              <a:t>Perl 5.10.1 (…old!)</a:t>
-            </a:r>
-          </a:p>
-          <a:p>
-            <a:pPr lvl="1"/>
-            <a:r>
-              <a:rPr lang="en-US" dirty="0" smtClean="0"/>
-              <a:t>Catalyst/</a:t>
+          <a:bodyPr/>
+          <a:lstStyle/>
+          <a:p>
+            <a:r>
+              <a:rPr lang="en-US" dirty="0" smtClean="0"/>
+              <a:t>Originally a Dancer app</a:t>
+            </a:r>
+          </a:p>
+          <a:p>
+            <a:r>
+              <a:rPr lang="en-US" dirty="0" smtClean="0"/>
+              <a:t>Now a Perl/Catalyst/</a:t>
             </a:r>
             <a:r>
               <a:rPr lang="en-US" dirty="0" err="1" smtClean="0"/>
@@ -4325,25 +4135,34 @@
               <a:rPr lang="en-US" dirty="0" err="1" smtClean="0"/>
               <a:t>PostgreSQL</a:t>
             </a:r>
-            <a:endParaRPr lang="en-US" dirty="0" smtClean="0"/>
+            <a:r>
+              <a:rPr lang="en-US" dirty="0" smtClean="0"/>
+              <a:t> app</a:t>
+            </a:r>
+          </a:p>
+          <a:p>
+            <a:r>
+              <a:rPr lang="en-US" dirty="0" smtClean="0"/>
+              <a:t>Genome browser interface to a database of CRISPR sites in the Human and Mouse genomes</a:t>
+            </a:r>
+          </a:p>
+          <a:p>
+            <a:r>
+              <a:rPr lang="en-US" dirty="0" smtClean="0"/>
+              <a:t>Uses an in memory index served by separate server</a:t>
+            </a:r>
+          </a:p>
+          <a:p>
+            <a:r>
+              <a:rPr lang="en-US" dirty="0" smtClean="0"/>
+              <a:t>Off-targets are calculated and stored</a:t>
+            </a:r>
           </a:p>
           <a:p>
             <a:pPr lvl="1"/>
             <a:r>
               <a:rPr lang="en-US" dirty="0" smtClean="0"/>
-              <a:t>More use of JavaScript</a:t>
-            </a:r>
-            <a:endParaRPr lang="en-US" dirty="0"/>
-          </a:p>
-          <a:p>
-            <a:pPr lvl="1"/>
-            <a:r>
-              <a:rPr lang="en-US" dirty="0" err="1" smtClean="0"/>
-              <a:t>ExtJS</a:t>
-            </a:r>
-            <a:r>
-              <a:rPr lang="en-US" dirty="0" smtClean="0"/>
-              <a:t> for flexible table widget</a:t>
+              <a:t>batch mode or via genome browser interface</a:t>
             </a:r>
             <a:endParaRPr lang="en-US" dirty="0"/>
           </a:p>
@@ -4352,17 +4171,24 @@
     </p:spTree>
     <p:extLst>
       <p:ext uri="{BB962C8B-B14F-4D97-AF65-F5344CB8AC3E}">
-        <p14:creationId xmlns:p14="http://schemas.microsoft.com/office/powerpoint/2010/main" val="1278359290"/>
+        <p14:creationId xmlns:p14="http://schemas.microsoft.com/office/powerpoint/2010/main" val="3092743056"/>
       </p:ext>
     </p:extLst>
   </p:cSld>
   <p:clrMapOvr>
     <a:masterClrMapping/>
   </p:clrMapOvr>
+  <p:timing>
+    <p:tnLst>
+      <p:par>
+        <p:cTn xmlns:p14="http://schemas.microsoft.com/office/powerpoint/2010/main" id="1" dur="indefinite" restart="never" nodeType="tmRoot"/>
+      </p:par>
+    </p:tnLst>
+  </p:timing>
 </p:sld>
 </file>
 
-<file path=ppt/slides/slide7.xml><?xml version="1.0" encoding="utf-8"?>
+<file path=ppt/slides/slide15.xml><?xml version="1.0" encoding="utf-8"?>
 <p:sld xmlns:a="http://schemas.openxmlformats.org/drawingml/2006/main" xmlns:r="http://schemas.openxmlformats.org/officeDocument/2006/relationships" xmlns:p="http://schemas.openxmlformats.org/presentationml/2006/main">
   <p:cSld>
     <p:spTree>
@@ -4396,132 +4222,71 @@
           <a:p>
             <a:r>
               <a:rPr lang="en-US" dirty="0" smtClean="0"/>
-              <a:t>LIMS2 - architecture</a:t>
+              <a:t>WGE </a:t>
+            </a:r>
+            <a:r>
+              <a:rPr lang="en-US" dirty="0" err="1" smtClean="0"/>
+              <a:t>Genoverse</a:t>
+            </a:r>
+            <a:r>
+              <a:rPr lang="en-US" dirty="0"/>
+              <a:t/>
+            </a:r>
+            <a:br>
+              <a:rPr lang="en-US" dirty="0"/>
+            </a:br>
+            <a:r>
+              <a:rPr lang="en-US" dirty="0" smtClean="0"/>
+              <a:t>Genome Browser</a:t>
             </a:r>
             <a:endParaRPr lang="en-US" dirty="0"/>
           </a:p>
         </p:txBody>
       </p:sp>
-      <p:sp>
-        <p:nvSpPr>
-          <p:cNvPr id="3" name="Content Placeholder 2"/>
-          <p:cNvSpPr>
-            <a:spLocks noGrp="1"/>
-          </p:cNvSpPr>
-          <p:nvPr>
-            <p:ph idx="1"/>
-          </p:nvPr>
-        </p:nvSpPr>
-        <p:spPr/>
-        <p:txBody>
-          <a:bodyPr>
-            <a:normAutofit lnSpcReduction="10000"/>
-          </a:bodyPr>
-          <a:lstStyle/>
-          <a:p>
-            <a:r>
-              <a:rPr lang="en-US" dirty="0" smtClean="0"/>
-              <a:t>A well can have … multiple parent wells!</a:t>
-            </a:r>
-          </a:p>
-          <a:p>
-            <a:r>
-              <a:rPr lang="en-US" dirty="0" smtClean="0"/>
-              <a:t>Re-arrays, parameter validation</a:t>
-            </a:r>
-          </a:p>
-          <a:p>
-            <a:r>
-              <a:rPr lang="en-US" dirty="0" smtClean="0"/>
-              <a:t>Shares QC system with HTGT2</a:t>
-            </a:r>
-          </a:p>
-          <a:p>
-            <a:pPr lvl="1"/>
-            <a:r>
-              <a:rPr lang="en-US" dirty="0" smtClean="0"/>
-              <a:t>For Farm3 submission</a:t>
-            </a:r>
-          </a:p>
-          <a:p>
-            <a:r>
-              <a:rPr lang="en-US" dirty="0" smtClean="0"/>
-              <a:t>Directed Cyclic Graph</a:t>
-            </a:r>
-          </a:p>
-          <a:p>
-            <a:pPr lvl="1"/>
-            <a:r>
-              <a:rPr lang="en-US" dirty="0" smtClean="0"/>
-              <a:t>Support is limited in </a:t>
-            </a:r>
-            <a:r>
-              <a:rPr lang="en-US" dirty="0" err="1" smtClean="0"/>
-              <a:t>DBIx</a:t>
-            </a:r>
-            <a:r>
-              <a:rPr lang="en-US" dirty="0" smtClean="0"/>
-              <a:t>::Class</a:t>
-            </a:r>
-          </a:p>
-          <a:p>
-            <a:pPr lvl="1"/>
-            <a:r>
-              <a:rPr lang="en-US" dirty="0" smtClean="0"/>
-              <a:t>‘WITH RECURSIVE’ required in </a:t>
-            </a:r>
-            <a:r>
-              <a:rPr lang="en-US" dirty="0" err="1" smtClean="0"/>
-              <a:t>PostgreSQL</a:t>
-            </a:r>
-            <a:r>
-              <a:rPr lang="en-US" dirty="0" smtClean="0"/>
-              <a:t> to permit searching across the graph</a:t>
-            </a:r>
-          </a:p>
-          <a:p>
-            <a:pPr lvl="2"/>
-            <a:r>
-              <a:rPr lang="en-US" dirty="0" smtClean="0"/>
-              <a:t>No support in </a:t>
-            </a:r>
-            <a:r>
-              <a:rPr lang="en-US" dirty="0" err="1" smtClean="0"/>
-              <a:t>DBIx</a:t>
-            </a:r>
-            <a:r>
-              <a:rPr lang="en-US" dirty="0" smtClean="0"/>
-              <a:t>::Class … yet</a:t>
-            </a:r>
-          </a:p>
-          <a:p>
-            <a:pPr lvl="2"/>
-            <a:r>
-              <a:rPr lang="en-US" dirty="0" smtClean="0"/>
-              <a:t>Required for </a:t>
-            </a:r>
-            <a:r>
-              <a:rPr lang="en-US" smtClean="0"/>
-              <a:t>fast reporting</a:t>
-            </a:r>
-            <a:endParaRPr lang="en-US" dirty="0"/>
-          </a:p>
-        </p:txBody>
-      </p:sp>
+      <p:pic>
+        <p:nvPicPr>
+          <p:cNvPr id="5" name="Picture 4"/>
+          <p:cNvPicPr>
+            <a:picLocks noChangeAspect="1"/>
+          </p:cNvPicPr>
+          <p:nvPr/>
+        </p:nvPicPr>
+        <p:blipFill rotWithShape="1">
+          <a:blip r:embed="rId2"/>
+          <a:srcRect l="3109" t="9340" r="4484" b="5449"/>
+          <a:stretch/>
+        </p:blipFill>
+        <p:spPr>
+          <a:xfrm>
+            <a:off x="427067" y="640567"/>
+            <a:ext cx="8164484" cy="5843770"/>
+          </a:xfrm>
+          <a:prstGeom prst="rect">
+            <a:avLst/>
+          </a:prstGeom>
+        </p:spPr>
+      </p:pic>
     </p:spTree>
     <p:extLst>
       <p:ext uri="{BB962C8B-B14F-4D97-AF65-F5344CB8AC3E}">
-        <p14:creationId xmlns:p14="http://schemas.microsoft.com/office/powerpoint/2010/main" val="1998424295"/>
+        <p14:creationId xmlns:p14="http://schemas.microsoft.com/office/powerpoint/2010/main" val="2728768248"/>
       </p:ext>
     </p:extLst>
   </p:cSld>
   <p:clrMapOvr>
     <a:masterClrMapping/>
   </p:clrMapOvr>
+  <p:timing>
+    <p:tnLst>
+      <p:par>
+        <p:cTn xmlns:p14="http://schemas.microsoft.com/office/powerpoint/2010/main" id="1" dur="indefinite" restart="never" nodeType="tmRoot"/>
+      </p:par>
+    </p:tnLst>
+  </p:timing>
 </p:sld>
 </file>
 
-<file path=ppt/slides/slide8.xml><?xml version="1.0" encoding="utf-8"?>
+<file path=ppt/slides/slide16.xml><?xml version="1.0" encoding="utf-8"?>
 <p:sld xmlns:a="http://schemas.openxmlformats.org/drawingml/2006/main" xmlns:r="http://schemas.openxmlformats.org/officeDocument/2006/relationships" xmlns:p="http://schemas.openxmlformats.org/presentationml/2006/main">
   <p:cSld>
     <p:spTree>
@@ -4594,10 +4359,17 @@
   <p:clrMapOvr>
     <a:masterClrMapping/>
   </p:clrMapOvr>
+  <p:timing>
+    <p:tnLst>
+      <p:par>
+        <p:cTn xmlns:p14="http://schemas.microsoft.com/office/powerpoint/2010/main" id="1" dur="indefinite" restart="never" nodeType="tmRoot"/>
+      </p:par>
+    </p:tnLst>
+  </p:timing>
 </p:sld>
 </file>
 
-<file path=ppt/slides/slide9.xml><?xml version="1.0" encoding="utf-8"?>
+<file path=ppt/slides/slide17.xml><?xml version="1.0" encoding="utf-8"?>
 <p:sld xmlns:a="http://schemas.openxmlformats.org/drawingml/2006/main" xmlns:r="http://schemas.openxmlformats.org/officeDocument/2006/relationships" xmlns:p="http://schemas.openxmlformats.org/presentationml/2006/main">
   <p:cSld>
     <p:spTree>
@@ -4631,7 +4403,7 @@
           <a:p>
             <a:r>
               <a:rPr lang="en-US" dirty="0" smtClean="0"/>
-              <a:t>Acknowledgements</a:t>
+              <a:t>People</a:t>
             </a:r>
             <a:endParaRPr lang="en-US" dirty="0"/>
           </a:p>
@@ -4721,8 +4493,13 @@
             <a:pPr lvl="1"/>
             <a:r>
               <a:rPr lang="en-US" dirty="0" smtClean="0"/>
-              <a:t>Alex Hodges</a:t>
-            </a:r>
+              <a:t>Alex </a:t>
+            </a:r>
+            <a:r>
+              <a:rPr lang="en-US" dirty="0" err="1" smtClean="0"/>
+              <a:t>Hodgkins</a:t>
+            </a:r>
+            <a:endParaRPr lang="en-US" dirty="0" smtClean="0"/>
           </a:p>
           <a:p>
             <a:pPr marL="349250" lvl="1" indent="0">
@@ -5063,6 +4840,1105 @@
   <p:clrMapOvr>
     <a:masterClrMapping/>
   </p:clrMapOvr>
+  <p:timing>
+    <p:tnLst>
+      <p:par>
+        <p:cTn xmlns:p14="http://schemas.microsoft.com/office/powerpoint/2010/main" id="1" dur="indefinite" restart="never" nodeType="tmRoot"/>
+      </p:par>
+    </p:tnLst>
+  </p:timing>
+</p:sld>
+</file>
+
+<file path=ppt/slides/slide2.xml><?xml version="1.0" encoding="utf-8"?>
+<p:sld xmlns:a="http://schemas.openxmlformats.org/drawingml/2006/main" xmlns:r="http://schemas.openxmlformats.org/officeDocument/2006/relationships" xmlns:p="http://schemas.openxmlformats.org/presentationml/2006/main">
+  <p:cSld>
+    <p:spTree>
+      <p:nvGrpSpPr>
+        <p:cNvPr id="1" name=""/>
+        <p:cNvGrpSpPr/>
+        <p:nvPr/>
+      </p:nvGrpSpPr>
+      <p:grpSpPr>
+        <a:xfrm>
+          <a:off x="0" y="0"/>
+          <a:ext cx="0" cy="0"/>
+          <a:chOff x="0" y="0"/>
+          <a:chExt cx="0" cy="0"/>
+        </a:xfrm>
+      </p:grpSpPr>
+      <p:sp>
+        <p:nvSpPr>
+          <p:cNvPr id="2" name="Title 1"/>
+          <p:cNvSpPr>
+            <a:spLocks noGrp="1"/>
+          </p:cNvSpPr>
+          <p:nvPr>
+            <p:ph type="title"/>
+          </p:nvPr>
+        </p:nvSpPr>
+        <p:spPr/>
+        <p:txBody>
+          <a:bodyPr/>
+          <a:lstStyle/>
+          <a:p>
+            <a:r>
+              <a:rPr lang="en-US" dirty="0" smtClean="0"/>
+              <a:t>Talk Outline</a:t>
+            </a:r>
+            <a:endParaRPr lang="en-US" dirty="0"/>
+          </a:p>
+        </p:txBody>
+      </p:sp>
+      <p:sp>
+        <p:nvSpPr>
+          <p:cNvPr id="3" name="Content Placeholder 2"/>
+          <p:cNvSpPr>
+            <a:spLocks noGrp="1"/>
+          </p:cNvSpPr>
+          <p:nvPr>
+            <p:ph idx="1"/>
+          </p:nvPr>
+        </p:nvSpPr>
+        <p:spPr/>
+        <p:txBody>
+          <a:bodyPr/>
+          <a:lstStyle/>
+          <a:p>
+            <a:r>
+              <a:rPr lang="en-US" dirty="0" smtClean="0"/>
+              <a:t>What are we trying to achieve with our systems?</a:t>
+            </a:r>
+          </a:p>
+          <a:p>
+            <a:r>
+              <a:rPr lang="en-US" dirty="0" smtClean="0"/>
+              <a:t>Overall landscape of systems</a:t>
+            </a:r>
+          </a:p>
+          <a:p>
+            <a:r>
+              <a:rPr lang="en-US" dirty="0" smtClean="0"/>
+              <a:t>HTGT – legacy but still used</a:t>
+            </a:r>
+          </a:p>
+          <a:p>
+            <a:r>
+              <a:rPr lang="en-US" dirty="0" smtClean="0"/>
+              <a:t>LIMS2 – the current LIMS still actively developed</a:t>
+            </a:r>
+          </a:p>
+          <a:p>
+            <a:r>
+              <a:rPr lang="en-US" dirty="0" smtClean="0"/>
+              <a:t>WGE – a research tool for CRISPR genome editing</a:t>
+            </a:r>
+          </a:p>
+          <a:p>
+            <a:r>
+              <a:rPr lang="en-US" dirty="0" smtClean="0"/>
+              <a:t>People</a:t>
+            </a:r>
+            <a:endParaRPr lang="en-US" dirty="0"/>
+          </a:p>
+        </p:txBody>
+      </p:sp>
+    </p:spTree>
+    <p:extLst>
+      <p:ext uri="{BB962C8B-B14F-4D97-AF65-F5344CB8AC3E}">
+        <p14:creationId xmlns:p14="http://schemas.microsoft.com/office/powerpoint/2010/main" val="1936379838"/>
+      </p:ext>
+    </p:extLst>
+  </p:cSld>
+  <p:clrMapOvr>
+    <a:masterClrMapping/>
+  </p:clrMapOvr>
+</p:sld>
+</file>
+
+<file path=ppt/slides/slide3.xml><?xml version="1.0" encoding="utf-8"?>
+<p:sld xmlns:a="http://schemas.openxmlformats.org/drawingml/2006/main" xmlns:r="http://schemas.openxmlformats.org/officeDocument/2006/relationships" xmlns:p="http://schemas.openxmlformats.org/presentationml/2006/main">
+  <p:cSld>
+    <p:spTree>
+      <p:nvGrpSpPr>
+        <p:cNvPr id="1" name=""/>
+        <p:cNvGrpSpPr/>
+        <p:nvPr/>
+      </p:nvGrpSpPr>
+      <p:grpSpPr>
+        <a:xfrm>
+          <a:off x="0" y="0"/>
+          <a:ext cx="0" cy="0"/>
+          <a:chOff x="0" y="0"/>
+          <a:chExt cx="0" cy="0"/>
+        </a:xfrm>
+      </p:grpSpPr>
+      <p:sp>
+        <p:nvSpPr>
+          <p:cNvPr id="2" name="Title 1"/>
+          <p:cNvSpPr>
+            <a:spLocks noGrp="1"/>
+          </p:cNvSpPr>
+          <p:nvPr>
+            <p:ph type="title"/>
+          </p:nvPr>
+        </p:nvSpPr>
+        <p:spPr/>
+        <p:txBody>
+          <a:bodyPr/>
+          <a:lstStyle/>
+          <a:p>
+            <a:r>
+              <a:rPr lang="en-US" dirty="0" smtClean="0"/>
+              <a:t>The Landscape</a:t>
+            </a:r>
+            <a:endParaRPr lang="en-US" dirty="0"/>
+          </a:p>
+        </p:txBody>
+      </p:sp>
+      <p:pic>
+        <p:nvPicPr>
+          <p:cNvPr id="4" name="Picture 3"/>
+          <p:cNvPicPr>
+            <a:picLocks noChangeAspect="1"/>
+          </p:cNvPicPr>
+          <p:nvPr/>
+        </p:nvPicPr>
+        <p:blipFill rotWithShape="1">
+          <a:blip r:embed="rId2"/>
+          <a:srcRect l="6161" t="9504" r="6833" b="41664"/>
+          <a:stretch/>
+        </p:blipFill>
+        <p:spPr>
+          <a:xfrm>
+            <a:off x="696793" y="2213889"/>
+            <a:ext cx="7687197" cy="3348930"/>
+          </a:xfrm>
+          <a:prstGeom prst="rect">
+            <a:avLst/>
+          </a:prstGeom>
+        </p:spPr>
+      </p:pic>
+      <p:sp>
+        <p:nvSpPr>
+          <p:cNvPr id="5" name="TextBox 4"/>
+          <p:cNvSpPr txBox="1"/>
+          <p:nvPr/>
+        </p:nvSpPr>
+        <p:spPr>
+          <a:xfrm>
+            <a:off x="2848983" y="1730655"/>
+            <a:ext cx="3360339" cy="369332"/>
+          </a:xfrm>
+          <a:prstGeom prst="rect">
+            <a:avLst/>
+          </a:prstGeom>
+          <a:noFill/>
+        </p:spPr>
+        <p:txBody>
+          <a:bodyPr wrap="square" rtlCol="0">
+            <a:spAutoFit/>
+          </a:bodyPr>
+          <a:lstStyle/>
+          <a:p>
+            <a:r>
+              <a:rPr lang="en-US" dirty="0" smtClean="0"/>
+              <a:t>URL: </a:t>
+            </a:r>
+            <a:r>
+              <a:rPr lang="en-US" dirty="0" err="1" smtClean="0"/>
+              <a:t>www.sanger.ac.uk</a:t>
+            </a:r>
+            <a:r>
+              <a:rPr lang="en-US" dirty="0" smtClean="0"/>
+              <a:t>/</a:t>
+            </a:r>
+            <a:r>
+              <a:rPr lang="en-US" dirty="0" err="1" smtClean="0"/>
+              <a:t>htgt</a:t>
+            </a:r>
+            <a:endParaRPr lang="en-US" dirty="0"/>
+          </a:p>
+        </p:txBody>
+      </p:sp>
+    </p:spTree>
+    <p:extLst>
+      <p:ext uri="{BB962C8B-B14F-4D97-AF65-F5344CB8AC3E}">
+        <p14:creationId xmlns:p14="http://schemas.microsoft.com/office/powerpoint/2010/main" val="3386116897"/>
+      </p:ext>
+    </p:extLst>
+  </p:cSld>
+  <p:clrMapOvr>
+    <a:masterClrMapping/>
+  </p:clrMapOvr>
+  <p:timing>
+    <p:tnLst>
+      <p:par>
+        <p:cTn xmlns:p14="http://schemas.microsoft.com/office/powerpoint/2010/main" id="1" dur="indefinite" restart="never" nodeType="tmRoot"/>
+      </p:par>
+    </p:tnLst>
+  </p:timing>
+</p:sld>
+</file>
+
+<file path=ppt/slides/slide4.xml><?xml version="1.0" encoding="utf-8"?>
+<p:sld xmlns:a="http://schemas.openxmlformats.org/drawingml/2006/main" xmlns:r="http://schemas.openxmlformats.org/officeDocument/2006/relationships" xmlns:p="http://schemas.openxmlformats.org/presentationml/2006/main">
+  <p:cSld>
+    <p:spTree>
+      <p:nvGrpSpPr>
+        <p:cNvPr id="1" name=""/>
+        <p:cNvGrpSpPr/>
+        <p:nvPr/>
+      </p:nvGrpSpPr>
+      <p:grpSpPr>
+        <a:xfrm>
+          <a:off x="0" y="0"/>
+          <a:ext cx="0" cy="0"/>
+          <a:chOff x="0" y="0"/>
+          <a:chExt cx="0" cy="0"/>
+        </a:xfrm>
+      </p:grpSpPr>
+      <p:sp>
+        <p:nvSpPr>
+          <p:cNvPr id="2" name="Title 1"/>
+          <p:cNvSpPr>
+            <a:spLocks noGrp="1"/>
+          </p:cNvSpPr>
+          <p:nvPr>
+            <p:ph type="title"/>
+          </p:nvPr>
+        </p:nvSpPr>
+        <p:spPr/>
+        <p:txBody>
+          <a:bodyPr/>
+          <a:lstStyle/>
+          <a:p>
+            <a:r>
+              <a:rPr lang="en-US" dirty="0" smtClean="0"/>
+              <a:t>HTGT</a:t>
+            </a:r>
+            <a:endParaRPr lang="en-US" dirty="0"/>
+          </a:p>
+        </p:txBody>
+      </p:sp>
+      <p:sp>
+        <p:nvSpPr>
+          <p:cNvPr id="3" name="Content Placeholder 2"/>
+          <p:cNvSpPr>
+            <a:spLocks noGrp="1"/>
+          </p:cNvSpPr>
+          <p:nvPr>
+            <p:ph idx="1"/>
+          </p:nvPr>
+        </p:nvSpPr>
+        <p:spPr/>
+        <p:txBody>
+          <a:bodyPr/>
+          <a:lstStyle/>
+          <a:p>
+            <a:r>
+              <a:rPr lang="en-US" dirty="0" smtClean="0"/>
+              <a:t>HTGT – High-Throughput Gene Targeting</a:t>
+            </a:r>
+          </a:p>
+          <a:p>
+            <a:pPr lvl="1"/>
+            <a:r>
+              <a:rPr lang="en-US" dirty="0" smtClean="0"/>
+              <a:t>The ‘original’ LIMS for Team87</a:t>
+            </a:r>
+          </a:p>
+          <a:p>
+            <a:pPr lvl="1"/>
+            <a:r>
+              <a:rPr lang="en-US" dirty="0" smtClean="0"/>
+              <a:t>Perl/Catalyst/DBI/</a:t>
+            </a:r>
+            <a:r>
+              <a:rPr lang="en-US" dirty="0" err="1" smtClean="0"/>
+              <a:t>DBIx</a:t>
+            </a:r>
+            <a:r>
+              <a:rPr lang="en-US" dirty="0" smtClean="0"/>
+              <a:t>::Class/Oracle</a:t>
+            </a:r>
+          </a:p>
+          <a:p>
+            <a:pPr lvl="1"/>
+            <a:r>
+              <a:rPr lang="en-US" dirty="0" smtClean="0"/>
+              <a:t>Was running on Etch (aka ancient version of </a:t>
+            </a:r>
+            <a:r>
+              <a:rPr lang="en-US" dirty="0" err="1" smtClean="0"/>
+              <a:t>Debian</a:t>
+            </a:r>
+            <a:r>
+              <a:rPr lang="en-US" dirty="0" smtClean="0"/>
+              <a:t>)</a:t>
+            </a:r>
+          </a:p>
+          <a:p>
+            <a:pPr lvl="1"/>
+            <a:r>
+              <a:rPr lang="en-US" dirty="0" smtClean="0"/>
+              <a:t>A ‘legacy’ system supporting Mouse (only)</a:t>
+            </a:r>
+          </a:p>
+          <a:p>
+            <a:pPr lvl="1"/>
+            <a:r>
+              <a:rPr lang="en-US" dirty="0" smtClean="0"/>
+              <a:t>Essentially relational ‘one well -&gt; one parent’ model</a:t>
+            </a:r>
+          </a:p>
+          <a:p>
+            <a:pPr lvl="2"/>
+            <a:r>
+              <a:rPr lang="en-US" dirty="0" smtClean="0"/>
+              <a:t>A kind of tree</a:t>
+            </a:r>
+            <a:endParaRPr lang="en-US" dirty="0"/>
+          </a:p>
+        </p:txBody>
+      </p:sp>
+    </p:spTree>
+    <p:extLst>
+      <p:ext uri="{BB962C8B-B14F-4D97-AF65-F5344CB8AC3E}">
+        <p14:creationId xmlns:p14="http://schemas.microsoft.com/office/powerpoint/2010/main" val="1989526936"/>
+      </p:ext>
+    </p:extLst>
+  </p:cSld>
+  <p:clrMapOvr>
+    <a:masterClrMapping/>
+  </p:clrMapOvr>
+  <p:timing>
+    <p:tnLst>
+      <p:par>
+        <p:cTn xmlns:p14="http://schemas.microsoft.com/office/powerpoint/2010/main" id="1" dur="indefinite" restart="never" nodeType="tmRoot"/>
+      </p:par>
+    </p:tnLst>
+  </p:timing>
+</p:sld>
+</file>
+
+<file path=ppt/slides/slide5.xml><?xml version="1.0" encoding="utf-8"?>
+<p:sld xmlns:a="http://schemas.openxmlformats.org/drawingml/2006/main" xmlns:r="http://schemas.openxmlformats.org/officeDocument/2006/relationships" xmlns:p="http://schemas.openxmlformats.org/presentationml/2006/main">
+  <p:cSld>
+    <p:spTree>
+      <p:nvGrpSpPr>
+        <p:cNvPr id="1" name=""/>
+        <p:cNvGrpSpPr/>
+        <p:nvPr/>
+      </p:nvGrpSpPr>
+      <p:grpSpPr>
+        <a:xfrm>
+          <a:off x="0" y="0"/>
+          <a:ext cx="0" cy="0"/>
+          <a:chOff x="0" y="0"/>
+          <a:chExt cx="0" cy="0"/>
+        </a:xfrm>
+      </p:grpSpPr>
+      <p:sp>
+        <p:nvSpPr>
+          <p:cNvPr id="2" name="Title 1"/>
+          <p:cNvSpPr>
+            <a:spLocks noGrp="1"/>
+          </p:cNvSpPr>
+          <p:nvPr>
+            <p:ph type="title"/>
+          </p:nvPr>
+        </p:nvSpPr>
+        <p:spPr/>
+        <p:txBody>
+          <a:bodyPr/>
+          <a:lstStyle/>
+          <a:p>
+            <a:r>
+              <a:rPr lang="en-US" dirty="0" smtClean="0"/>
+              <a:t>HTGT2 – The migration</a:t>
+            </a:r>
+            <a:endParaRPr lang="en-US" dirty="0"/>
+          </a:p>
+        </p:txBody>
+      </p:sp>
+      <p:sp>
+        <p:nvSpPr>
+          <p:cNvPr id="3" name="Content Placeholder 2"/>
+          <p:cNvSpPr>
+            <a:spLocks noGrp="1"/>
+          </p:cNvSpPr>
+          <p:nvPr>
+            <p:ph idx="1"/>
+          </p:nvPr>
+        </p:nvSpPr>
+        <p:spPr/>
+        <p:txBody>
+          <a:bodyPr/>
+          <a:lstStyle/>
+          <a:p>
+            <a:r>
+              <a:rPr lang="en-US" dirty="0" smtClean="0"/>
+              <a:t>Removal of support for Etch</a:t>
+            </a:r>
+          </a:p>
+          <a:p>
+            <a:pPr lvl="1"/>
+            <a:r>
+              <a:rPr lang="en-US" dirty="0" smtClean="0"/>
+              <a:t>drives effort to migrate to Ubuntu Precise (VMs)</a:t>
+            </a:r>
+          </a:p>
+          <a:p>
+            <a:pPr lvl="1"/>
+            <a:r>
+              <a:rPr lang="en-US" dirty="0" smtClean="0"/>
+              <a:t>The painstaking task of gathering all Perl modules required:</a:t>
+            </a:r>
+          </a:p>
+          <a:p>
+            <a:pPr lvl="2"/>
+            <a:r>
+              <a:rPr lang="en-US" dirty="0" smtClean="0"/>
+              <a:t>Local – multiple subversion repositories re-</a:t>
+            </a:r>
+            <a:r>
+              <a:rPr lang="en-US" dirty="0" err="1" smtClean="0"/>
+              <a:t>organised</a:t>
+            </a:r>
+            <a:r>
+              <a:rPr lang="en-US" dirty="0" smtClean="0"/>
+              <a:t> into handful of GIT repositories (using GIT </a:t>
+            </a:r>
+            <a:r>
+              <a:rPr lang="en-US" dirty="0" err="1" smtClean="0"/>
+              <a:t>submodules</a:t>
+            </a:r>
+            <a:r>
+              <a:rPr lang="en-US" dirty="0" smtClean="0"/>
+              <a:t>)</a:t>
+            </a:r>
+          </a:p>
+          <a:p>
+            <a:pPr lvl="3"/>
+            <a:r>
+              <a:rPr lang="en-US" dirty="0" err="1"/>
+              <a:t>h</a:t>
+            </a:r>
+            <a:r>
+              <a:rPr lang="en-US" dirty="0" err="1" smtClean="0"/>
+              <a:t>tgt</a:t>
+            </a:r>
+            <a:r>
+              <a:rPr lang="en-US" dirty="0" smtClean="0"/>
+              <a:t>-root</a:t>
+            </a:r>
+          </a:p>
+          <a:p>
+            <a:pPr lvl="3"/>
+            <a:r>
+              <a:rPr lang="en-US" dirty="0" err="1"/>
+              <a:t>h</a:t>
+            </a:r>
+            <a:r>
+              <a:rPr lang="en-US" dirty="0" err="1" smtClean="0"/>
+              <a:t>tgt</a:t>
+            </a:r>
+            <a:r>
+              <a:rPr lang="en-US" dirty="0" smtClean="0"/>
+              <a:t>-batch</a:t>
+            </a:r>
+          </a:p>
+          <a:p>
+            <a:pPr lvl="3"/>
+            <a:r>
+              <a:rPr lang="en-US" dirty="0" err="1"/>
+              <a:t>h</a:t>
+            </a:r>
+            <a:r>
+              <a:rPr lang="en-US" dirty="0" err="1" smtClean="0"/>
+              <a:t>tgt</a:t>
+            </a:r>
+            <a:r>
+              <a:rPr lang="en-US" dirty="0" smtClean="0"/>
+              <a:t>-app</a:t>
+            </a:r>
+          </a:p>
+          <a:p>
+            <a:pPr lvl="2"/>
+            <a:r>
+              <a:rPr lang="en-US" dirty="0" smtClean="0"/>
+              <a:t>CPAN modules for </a:t>
+            </a:r>
+            <a:r>
+              <a:rPr lang="en-US" dirty="0"/>
+              <a:t>P</a:t>
+            </a:r>
+            <a:r>
+              <a:rPr lang="en-US" dirty="0" smtClean="0"/>
+              <a:t>erl 5.14.4</a:t>
+            </a:r>
+            <a:endParaRPr lang="en-US" dirty="0"/>
+          </a:p>
+        </p:txBody>
+      </p:sp>
+    </p:spTree>
+    <p:extLst>
+      <p:ext uri="{BB962C8B-B14F-4D97-AF65-F5344CB8AC3E}">
+        <p14:creationId xmlns:p14="http://schemas.microsoft.com/office/powerpoint/2010/main" val="519769185"/>
+      </p:ext>
+    </p:extLst>
+  </p:cSld>
+  <p:clrMapOvr>
+    <a:masterClrMapping/>
+  </p:clrMapOvr>
+  <p:timing>
+    <p:tnLst>
+      <p:par>
+        <p:cTn xmlns:p14="http://schemas.microsoft.com/office/powerpoint/2010/main" id="1" dur="indefinite" restart="never" nodeType="tmRoot"/>
+      </p:par>
+    </p:tnLst>
+  </p:timing>
+</p:sld>
+</file>
+
+<file path=ppt/slides/slide6.xml><?xml version="1.0" encoding="utf-8"?>
+<p:sld xmlns:a="http://schemas.openxmlformats.org/drawingml/2006/main" xmlns:r="http://schemas.openxmlformats.org/officeDocument/2006/relationships" xmlns:p="http://schemas.openxmlformats.org/presentationml/2006/main">
+  <p:cSld>
+    <p:spTree>
+      <p:nvGrpSpPr>
+        <p:cNvPr id="1" name=""/>
+        <p:cNvGrpSpPr/>
+        <p:nvPr/>
+      </p:nvGrpSpPr>
+      <p:grpSpPr>
+        <a:xfrm>
+          <a:off x="0" y="0"/>
+          <a:ext cx="0" cy="0"/>
+          <a:chOff x="0" y="0"/>
+          <a:chExt cx="0" cy="0"/>
+        </a:xfrm>
+      </p:grpSpPr>
+      <p:sp>
+        <p:nvSpPr>
+          <p:cNvPr id="2" name="Title 1"/>
+          <p:cNvSpPr>
+            <a:spLocks noGrp="1"/>
+          </p:cNvSpPr>
+          <p:nvPr>
+            <p:ph type="title"/>
+          </p:nvPr>
+        </p:nvSpPr>
+        <p:spPr/>
+        <p:txBody>
+          <a:bodyPr/>
+          <a:lstStyle/>
+          <a:p>
+            <a:r>
+              <a:rPr lang="en-US" dirty="0" smtClean="0"/>
+              <a:t>HTGT2 code repo</a:t>
+            </a:r>
+            <a:endParaRPr lang="en-US" dirty="0"/>
+          </a:p>
+        </p:txBody>
+      </p:sp>
+      <p:pic>
+        <p:nvPicPr>
+          <p:cNvPr id="4" name="Picture 3"/>
+          <p:cNvPicPr>
+            <a:picLocks noChangeAspect="1"/>
+          </p:cNvPicPr>
+          <p:nvPr/>
+        </p:nvPicPr>
+        <p:blipFill rotWithShape="1">
+          <a:blip r:embed="rId2"/>
+          <a:srcRect l="11306" t="17323" r="35597" b="12474"/>
+          <a:stretch/>
+        </p:blipFill>
+        <p:spPr>
+          <a:xfrm>
+            <a:off x="2090377" y="1579388"/>
+            <a:ext cx="4855073" cy="4562635"/>
+          </a:xfrm>
+          <a:prstGeom prst="rect">
+            <a:avLst/>
+          </a:prstGeom>
+        </p:spPr>
+      </p:pic>
+    </p:spTree>
+    <p:extLst>
+      <p:ext uri="{BB962C8B-B14F-4D97-AF65-F5344CB8AC3E}">
+        <p14:creationId xmlns:p14="http://schemas.microsoft.com/office/powerpoint/2010/main" val="3942225474"/>
+      </p:ext>
+    </p:extLst>
+  </p:cSld>
+  <p:clrMapOvr>
+    <a:masterClrMapping/>
+  </p:clrMapOvr>
+  <p:timing>
+    <p:tnLst>
+      <p:par>
+        <p:cTn xmlns:p14="http://schemas.microsoft.com/office/powerpoint/2010/main" id="1" dur="indefinite" restart="never" nodeType="tmRoot"/>
+      </p:par>
+    </p:tnLst>
+  </p:timing>
+</p:sld>
+</file>
+
+<file path=ppt/slides/slide7.xml><?xml version="1.0" encoding="utf-8"?>
+<p:sld xmlns:a="http://schemas.openxmlformats.org/drawingml/2006/main" xmlns:r="http://schemas.openxmlformats.org/officeDocument/2006/relationships" xmlns:p="http://schemas.openxmlformats.org/presentationml/2006/main">
+  <p:cSld>
+    <p:spTree>
+      <p:nvGrpSpPr>
+        <p:cNvPr id="1" name=""/>
+        <p:cNvGrpSpPr/>
+        <p:nvPr/>
+      </p:nvGrpSpPr>
+      <p:grpSpPr>
+        <a:xfrm>
+          <a:off x="0" y="0"/>
+          <a:ext cx="0" cy="0"/>
+          <a:chOff x="0" y="0"/>
+          <a:chExt cx="0" cy="0"/>
+        </a:xfrm>
+      </p:grpSpPr>
+      <p:sp>
+        <p:nvSpPr>
+          <p:cNvPr id="2" name="Title 1"/>
+          <p:cNvSpPr>
+            <a:spLocks noGrp="1"/>
+          </p:cNvSpPr>
+          <p:nvPr>
+            <p:ph type="title"/>
+          </p:nvPr>
+        </p:nvSpPr>
+        <p:spPr/>
+        <p:txBody>
+          <a:bodyPr/>
+          <a:lstStyle/>
+          <a:p>
+            <a:r>
+              <a:rPr lang="en-US" dirty="0" smtClean="0"/>
+              <a:t>LIMS2</a:t>
+            </a:r>
+            <a:endParaRPr lang="en-US" dirty="0"/>
+          </a:p>
+        </p:txBody>
+      </p:sp>
+      <p:sp>
+        <p:nvSpPr>
+          <p:cNvPr id="3" name="Content Placeholder 2"/>
+          <p:cNvSpPr>
+            <a:spLocks noGrp="1"/>
+          </p:cNvSpPr>
+          <p:nvPr>
+            <p:ph idx="1"/>
+          </p:nvPr>
+        </p:nvSpPr>
+        <p:spPr/>
+        <p:txBody>
+          <a:bodyPr>
+            <a:normAutofit lnSpcReduction="10000"/>
+          </a:bodyPr>
+          <a:lstStyle/>
+          <a:p>
+            <a:r>
+              <a:rPr lang="en-US" dirty="0" smtClean="0"/>
+              <a:t>Supports:</a:t>
+            </a:r>
+          </a:p>
+          <a:p>
+            <a:pPr lvl="1"/>
+            <a:r>
+              <a:rPr lang="en-US" dirty="0" smtClean="0"/>
+              <a:t>both Human and Mouse species</a:t>
+            </a:r>
+          </a:p>
+          <a:p>
+            <a:pPr lvl="1"/>
+            <a:r>
+              <a:rPr lang="en-US" dirty="0" smtClean="0"/>
+              <a:t>Gibson Designs</a:t>
+            </a:r>
+          </a:p>
+          <a:p>
+            <a:pPr lvl="1"/>
+            <a:r>
+              <a:rPr lang="en-US" dirty="0" smtClean="0"/>
+              <a:t>CRISPR/Cas9 support</a:t>
+            </a:r>
+          </a:p>
+          <a:p>
+            <a:r>
+              <a:rPr lang="en-US" dirty="0" smtClean="0"/>
+              <a:t>Runs on Ubuntu 10.04 (Lucid lynx)</a:t>
+            </a:r>
+          </a:p>
+          <a:p>
+            <a:pPr lvl="1"/>
+            <a:r>
+              <a:rPr lang="en-US" dirty="0" smtClean="0"/>
+              <a:t>Perl 5.10.1 (…old!)</a:t>
+            </a:r>
+          </a:p>
+          <a:p>
+            <a:pPr lvl="1"/>
+            <a:r>
+              <a:rPr lang="en-US" dirty="0" smtClean="0"/>
+              <a:t>Catalyst/</a:t>
+            </a:r>
+            <a:r>
+              <a:rPr lang="en-US" dirty="0" err="1" smtClean="0"/>
+              <a:t>DBIx</a:t>
+            </a:r>
+            <a:r>
+              <a:rPr lang="en-US" dirty="0" smtClean="0"/>
+              <a:t>::Class/</a:t>
+            </a:r>
+            <a:r>
+              <a:rPr lang="en-US" dirty="0" err="1" smtClean="0"/>
+              <a:t>PostgreSQL</a:t>
+            </a:r>
+            <a:endParaRPr lang="en-US" dirty="0" smtClean="0"/>
+          </a:p>
+          <a:p>
+            <a:pPr lvl="1"/>
+            <a:r>
+              <a:rPr lang="en-US" dirty="0" smtClean="0"/>
+              <a:t>More use of JavaScript</a:t>
+            </a:r>
+            <a:endParaRPr lang="en-US" dirty="0"/>
+          </a:p>
+          <a:p>
+            <a:pPr lvl="1"/>
+            <a:r>
+              <a:rPr lang="en-US" dirty="0" err="1" smtClean="0"/>
+              <a:t>ExtJS</a:t>
+            </a:r>
+            <a:r>
+              <a:rPr lang="en-US" dirty="0" smtClean="0"/>
+              <a:t> for flexible table widget</a:t>
+            </a:r>
+          </a:p>
+          <a:p>
+            <a:pPr lvl="1"/>
+            <a:r>
+              <a:rPr lang="en-US" dirty="0" err="1" smtClean="0"/>
+              <a:t>Genoverse</a:t>
+            </a:r>
+            <a:r>
+              <a:rPr lang="en-US" dirty="0" smtClean="0"/>
+              <a:t> genome browser</a:t>
+            </a:r>
+            <a:endParaRPr lang="en-US" dirty="0"/>
+          </a:p>
+        </p:txBody>
+      </p:sp>
+    </p:spTree>
+    <p:extLst>
+      <p:ext uri="{BB962C8B-B14F-4D97-AF65-F5344CB8AC3E}">
+        <p14:creationId xmlns:p14="http://schemas.microsoft.com/office/powerpoint/2010/main" val="1278359290"/>
+      </p:ext>
+    </p:extLst>
+  </p:cSld>
+  <p:clrMapOvr>
+    <a:masterClrMapping/>
+  </p:clrMapOvr>
+  <p:timing>
+    <p:tnLst>
+      <p:par>
+        <p:cTn xmlns:p14="http://schemas.microsoft.com/office/powerpoint/2010/main" id="1" dur="indefinite" restart="never" nodeType="tmRoot"/>
+      </p:par>
+    </p:tnLst>
+  </p:timing>
+</p:sld>
+</file>
+
+<file path=ppt/slides/slide8.xml><?xml version="1.0" encoding="utf-8"?>
+<p:sld xmlns:a="http://schemas.openxmlformats.org/drawingml/2006/main" xmlns:r="http://schemas.openxmlformats.org/officeDocument/2006/relationships" xmlns:p="http://schemas.openxmlformats.org/presentationml/2006/main">
+  <p:cSld>
+    <p:spTree>
+      <p:nvGrpSpPr>
+        <p:cNvPr id="1" name=""/>
+        <p:cNvGrpSpPr/>
+        <p:nvPr/>
+      </p:nvGrpSpPr>
+      <p:grpSpPr>
+        <a:xfrm>
+          <a:off x="0" y="0"/>
+          <a:ext cx="0" cy="0"/>
+          <a:chOff x="0" y="0"/>
+          <a:chExt cx="0" cy="0"/>
+        </a:xfrm>
+      </p:grpSpPr>
+      <p:sp>
+        <p:nvSpPr>
+          <p:cNvPr id="2" name="Title 1"/>
+          <p:cNvSpPr>
+            <a:spLocks noGrp="1"/>
+          </p:cNvSpPr>
+          <p:nvPr>
+            <p:ph type="title"/>
+          </p:nvPr>
+        </p:nvSpPr>
+        <p:spPr/>
+        <p:txBody>
+          <a:bodyPr/>
+          <a:lstStyle/>
+          <a:p>
+            <a:r>
+              <a:rPr lang="en-US" dirty="0" smtClean="0"/>
+              <a:t>LIMS2 - architecture</a:t>
+            </a:r>
+            <a:endParaRPr lang="en-US" dirty="0"/>
+          </a:p>
+        </p:txBody>
+      </p:sp>
+      <p:sp>
+        <p:nvSpPr>
+          <p:cNvPr id="3" name="Content Placeholder 2"/>
+          <p:cNvSpPr>
+            <a:spLocks noGrp="1"/>
+          </p:cNvSpPr>
+          <p:nvPr>
+            <p:ph idx="1"/>
+          </p:nvPr>
+        </p:nvSpPr>
+        <p:spPr>
+          <a:xfrm>
+            <a:off x="549275" y="1600200"/>
+            <a:ext cx="8042276" cy="4715565"/>
+          </a:xfrm>
+        </p:spPr>
+        <p:txBody>
+          <a:bodyPr>
+            <a:normAutofit fontScale="85000" lnSpcReduction="20000"/>
+          </a:bodyPr>
+          <a:lstStyle/>
+          <a:p>
+            <a:r>
+              <a:rPr lang="en-US" dirty="0" smtClean="0"/>
+              <a:t>A well can have … multiple parent wells!</a:t>
+            </a:r>
+          </a:p>
+          <a:p>
+            <a:r>
+              <a:rPr lang="en-US" dirty="0" smtClean="0"/>
+              <a:t>Re-arrays, extensive parameter validation</a:t>
+            </a:r>
+          </a:p>
+          <a:p>
+            <a:r>
+              <a:rPr lang="en-US" dirty="0" smtClean="0"/>
+              <a:t>Access the DB through the model.</a:t>
+            </a:r>
+          </a:p>
+          <a:p>
+            <a:pPr lvl="1"/>
+            <a:r>
+              <a:rPr lang="en-US" dirty="0" smtClean="0"/>
+              <a:t>Thin controller/fat model.</a:t>
+            </a:r>
+          </a:p>
+          <a:p>
+            <a:r>
+              <a:rPr lang="en-US" dirty="0" smtClean="0"/>
+              <a:t>Shares QC system with HTGT2</a:t>
+            </a:r>
+          </a:p>
+          <a:p>
+            <a:pPr lvl="1"/>
+            <a:r>
+              <a:rPr lang="en-US" dirty="0" smtClean="0"/>
+              <a:t>For Farm3 submission</a:t>
+            </a:r>
+          </a:p>
+          <a:p>
+            <a:r>
+              <a:rPr lang="en-US" dirty="0" smtClean="0"/>
+              <a:t>Directed Acyclic Graph</a:t>
+            </a:r>
+            <a:endParaRPr lang="en-US" dirty="0"/>
+          </a:p>
+          <a:p>
+            <a:r>
+              <a:rPr lang="en-US" dirty="0" smtClean="0"/>
+              <a:t>Graph Support is limited in </a:t>
+            </a:r>
+            <a:r>
+              <a:rPr lang="en-US" dirty="0" err="1" smtClean="0"/>
+              <a:t>DBIx</a:t>
+            </a:r>
+            <a:r>
+              <a:rPr lang="en-US" dirty="0" smtClean="0"/>
+              <a:t>::Class and ANSI SQL</a:t>
+            </a:r>
+          </a:p>
+          <a:p>
+            <a:pPr lvl="1"/>
+            <a:r>
+              <a:rPr lang="en-US" dirty="0" smtClean="0"/>
+              <a:t>‘WITH RECURSIVE’ required in </a:t>
+            </a:r>
+            <a:r>
+              <a:rPr lang="en-US" dirty="0" err="1" smtClean="0"/>
+              <a:t>PostgreSQL</a:t>
+            </a:r>
+            <a:r>
+              <a:rPr lang="en-US" dirty="0" smtClean="0"/>
+              <a:t> to permit searching across the graph</a:t>
+            </a:r>
+          </a:p>
+          <a:p>
+            <a:pPr lvl="2"/>
+            <a:r>
+              <a:rPr lang="en-US" dirty="0" smtClean="0"/>
+              <a:t>No support in </a:t>
+            </a:r>
+            <a:r>
+              <a:rPr lang="en-US" dirty="0" err="1" smtClean="0"/>
+              <a:t>DBIx</a:t>
+            </a:r>
+            <a:r>
+              <a:rPr lang="en-US" dirty="0" smtClean="0"/>
+              <a:t>::Class … yet</a:t>
+            </a:r>
+          </a:p>
+          <a:p>
+            <a:pPr lvl="2"/>
+            <a:r>
+              <a:rPr lang="en-US" dirty="0" smtClean="0"/>
+              <a:t>Required for fast reporting</a:t>
+            </a:r>
+            <a:endParaRPr lang="en-US" dirty="0"/>
+          </a:p>
+        </p:txBody>
+      </p:sp>
+    </p:spTree>
+    <p:extLst>
+      <p:ext uri="{BB962C8B-B14F-4D97-AF65-F5344CB8AC3E}">
+        <p14:creationId xmlns:p14="http://schemas.microsoft.com/office/powerpoint/2010/main" val="1998424295"/>
+      </p:ext>
+    </p:extLst>
+  </p:cSld>
+  <p:clrMapOvr>
+    <a:masterClrMapping/>
+  </p:clrMapOvr>
+  <p:timing>
+    <p:tnLst>
+      <p:par>
+        <p:cTn xmlns:p14="http://schemas.microsoft.com/office/powerpoint/2010/main" id="1" dur="indefinite" restart="never" nodeType="tmRoot"/>
+      </p:par>
+    </p:tnLst>
+  </p:timing>
+</p:sld>
+</file>
+
+<file path=ppt/slides/slide9.xml><?xml version="1.0" encoding="utf-8"?>
+<p:sld xmlns:a="http://schemas.openxmlformats.org/drawingml/2006/main" xmlns:r="http://schemas.openxmlformats.org/officeDocument/2006/relationships" xmlns:p="http://schemas.openxmlformats.org/presentationml/2006/main">
+  <p:cSld>
+    <p:spTree>
+      <p:nvGrpSpPr>
+        <p:cNvPr id="1" name=""/>
+        <p:cNvGrpSpPr/>
+        <p:nvPr/>
+      </p:nvGrpSpPr>
+      <p:grpSpPr>
+        <a:xfrm>
+          <a:off x="0" y="0"/>
+          <a:ext cx="0" cy="0"/>
+          <a:chOff x="0" y="0"/>
+          <a:chExt cx="0" cy="0"/>
+        </a:xfrm>
+      </p:grpSpPr>
+      <p:sp>
+        <p:nvSpPr>
+          <p:cNvPr id="2" name="Title 1"/>
+          <p:cNvSpPr>
+            <a:spLocks noGrp="1"/>
+          </p:cNvSpPr>
+          <p:nvPr>
+            <p:ph type="title"/>
+          </p:nvPr>
+        </p:nvSpPr>
+        <p:spPr/>
+        <p:txBody>
+          <a:bodyPr/>
+          <a:lstStyle/>
+          <a:p>
+            <a:r>
+              <a:rPr lang="en-US" dirty="0" smtClean="0"/>
+              <a:t>Recent features</a:t>
+            </a:r>
+            <a:endParaRPr lang="en-US" dirty="0"/>
+          </a:p>
+        </p:txBody>
+      </p:sp>
+      <p:sp>
+        <p:nvSpPr>
+          <p:cNvPr id="3" name="Content Placeholder 2"/>
+          <p:cNvSpPr>
+            <a:spLocks noGrp="1"/>
+          </p:cNvSpPr>
+          <p:nvPr>
+            <p:ph idx="1"/>
+          </p:nvPr>
+        </p:nvSpPr>
+        <p:spPr/>
+        <p:txBody>
+          <a:bodyPr/>
+          <a:lstStyle/>
+          <a:p>
+            <a:r>
+              <a:rPr lang="en-US" dirty="0" smtClean="0"/>
+              <a:t>Automatic genotyping/PCR/sequencing primer generation</a:t>
+            </a:r>
+          </a:p>
+          <a:p>
+            <a:r>
+              <a:rPr lang="en-US" dirty="0" smtClean="0"/>
+              <a:t>JavaScript trace viewer for Sequencing QC review</a:t>
+            </a:r>
+          </a:p>
+          <a:p>
+            <a:r>
+              <a:rPr lang="en-US" dirty="0" smtClean="0"/>
+              <a:t>CRISPR QC</a:t>
+            </a:r>
+          </a:p>
+          <a:p>
+            <a:r>
+              <a:rPr lang="en-US" dirty="0" smtClean="0"/>
+              <a:t>Bar coding check-in/check-out and tracking</a:t>
+            </a:r>
+          </a:p>
+          <a:p>
+            <a:pPr lvl="1"/>
+            <a:r>
+              <a:rPr lang="en-US" dirty="0" smtClean="0"/>
+              <a:t>Plate versioning required as a result</a:t>
+            </a:r>
+            <a:endParaRPr lang="en-US" dirty="0"/>
+          </a:p>
+        </p:txBody>
+      </p:sp>
+    </p:spTree>
+    <p:extLst>
+      <p:ext uri="{BB962C8B-B14F-4D97-AF65-F5344CB8AC3E}">
+        <p14:creationId xmlns:p14="http://schemas.microsoft.com/office/powerpoint/2010/main" val="2216519832"/>
+      </p:ext>
+    </p:extLst>
+  </p:cSld>
+  <p:clrMapOvr>
+    <a:masterClrMapping/>
+  </p:clrMapOvr>
+  <p:timing>
+    <p:tnLst>
+      <p:par>
+        <p:cTn xmlns:p14="http://schemas.microsoft.com/office/powerpoint/2010/main" id="1" dur="indefinite" restart="never" nodeType="tmRoot"/>
+      </p:par>
+    </p:tnLst>
+  </p:timing>
 </p:sld>
 </file>
 

--- a/IMG-2015.pptx
+++ b/IMG-2015.pptx
@@ -7,21 +7,26 @@
   <p:sldIdLst>
     <p:sldId id="256" r:id="rId2"/>
     <p:sldId id="272" r:id="rId3"/>
-    <p:sldId id="258" r:id="rId4"/>
-    <p:sldId id="260" r:id="rId5"/>
-    <p:sldId id="261" r:id="rId6"/>
-    <p:sldId id="262" r:id="rId7"/>
-    <p:sldId id="263" r:id="rId8"/>
-    <p:sldId id="264" r:id="rId9"/>
-    <p:sldId id="265" r:id="rId10"/>
-    <p:sldId id="269" r:id="rId11"/>
-    <p:sldId id="271" r:id="rId12"/>
-    <p:sldId id="270" r:id="rId13"/>
-    <p:sldId id="266" r:id="rId14"/>
-    <p:sldId id="267" r:id="rId15"/>
-    <p:sldId id="268" r:id="rId16"/>
-    <p:sldId id="259" r:id="rId17"/>
-    <p:sldId id="257" r:id="rId18"/>
+    <p:sldId id="277" r:id="rId4"/>
+    <p:sldId id="258" r:id="rId5"/>
+    <p:sldId id="260" r:id="rId6"/>
+    <p:sldId id="261" r:id="rId7"/>
+    <p:sldId id="262" r:id="rId8"/>
+    <p:sldId id="263" r:id="rId9"/>
+    <p:sldId id="264" r:id="rId10"/>
+    <p:sldId id="265" r:id="rId11"/>
+    <p:sldId id="269" r:id="rId12"/>
+    <p:sldId id="271" r:id="rId13"/>
+    <p:sldId id="273" r:id="rId14"/>
+    <p:sldId id="270" r:id="rId15"/>
+    <p:sldId id="275" r:id="rId16"/>
+    <p:sldId id="276" r:id="rId17"/>
+    <p:sldId id="266" r:id="rId18"/>
+    <p:sldId id="267" r:id="rId19"/>
+    <p:sldId id="268" r:id="rId20"/>
+    <p:sldId id="259" r:id="rId21"/>
+    <p:sldId id="274" r:id="rId22"/>
+    <p:sldId id="257" r:id="rId23"/>
   </p:sldIdLst>
   <p:sldSz cx="9144000" cy="6858000" type="screen4x3"/>
   <p:notesSz cx="6858000" cy="9144000"/>
@@ -3262,7 +3267,7 @@
             </a:lvl1pPr>
           </a:lstStyle>
           <a:p>
-            <a:endParaRPr lang="en-US"/>
+            <a:endParaRPr lang="en-US" dirty="0"/>
           </a:p>
         </p:txBody>
       </p:sp>
@@ -3709,14 +3714,29 @@
         </p:nvSpPr>
         <p:spPr/>
         <p:txBody>
-          <a:bodyPr/>
-          <a:lstStyle/>
-          <a:p>
-            <a:r>
-              <a:rPr lang="en-US" dirty="0" smtClean="0"/>
-              <a:t>Status of LIMS2, HTGT and WGE systems</a:t>
-            </a:r>
-            <a:endParaRPr lang="en-US" dirty="0"/>
+          <a:bodyPr>
+            <a:normAutofit fontScale="85000" lnSpcReduction="20000"/>
+          </a:bodyPr>
+          <a:lstStyle/>
+          <a:p>
+            <a:r>
+              <a:rPr lang="en-US" sz="2400" dirty="0" smtClean="0"/>
+              <a:t>Status of LIMS2, HTGT and WGE </a:t>
+            </a:r>
+            <a:r>
+              <a:rPr lang="en-US" sz="2400" dirty="0" smtClean="0"/>
+              <a:t>systems</a:t>
+            </a:r>
+          </a:p>
+          <a:p>
+            <a:endParaRPr lang="en-US" sz="2400" dirty="0"/>
+          </a:p>
+          <a:p>
+            <a:r>
+              <a:rPr lang="en-US" sz="2400" smtClean="0"/>
+              <a:t>17 March 2015</a:t>
+            </a:r>
+            <a:endParaRPr lang="en-US" sz="2400" dirty="0"/>
           </a:p>
         </p:txBody>
       </p:sp>
@@ -3741,6 +3761,114 @@
 </file>
 
 <file path=ppt/slides/slide10.xml><?xml version="1.0" encoding="utf-8"?>
+<p:sld xmlns:a="http://schemas.openxmlformats.org/drawingml/2006/main" xmlns:r="http://schemas.openxmlformats.org/officeDocument/2006/relationships" xmlns:p="http://schemas.openxmlformats.org/presentationml/2006/main">
+  <p:cSld>
+    <p:spTree>
+      <p:nvGrpSpPr>
+        <p:cNvPr id="1" name=""/>
+        <p:cNvGrpSpPr/>
+        <p:nvPr/>
+      </p:nvGrpSpPr>
+      <p:grpSpPr>
+        <a:xfrm>
+          <a:off x="0" y="0"/>
+          <a:ext cx="0" cy="0"/>
+          <a:chOff x="0" y="0"/>
+          <a:chExt cx="0" cy="0"/>
+        </a:xfrm>
+      </p:grpSpPr>
+      <p:sp>
+        <p:nvSpPr>
+          <p:cNvPr id="2" name="Title 1"/>
+          <p:cNvSpPr>
+            <a:spLocks noGrp="1"/>
+          </p:cNvSpPr>
+          <p:nvPr>
+            <p:ph type="title"/>
+          </p:nvPr>
+        </p:nvSpPr>
+        <p:spPr/>
+        <p:txBody>
+          <a:bodyPr/>
+          <a:lstStyle/>
+          <a:p>
+            <a:r>
+              <a:rPr lang="en-US" dirty="0" smtClean="0"/>
+              <a:t>Recent features</a:t>
+            </a:r>
+            <a:endParaRPr lang="en-US" dirty="0"/>
+          </a:p>
+        </p:txBody>
+      </p:sp>
+      <p:sp>
+        <p:nvSpPr>
+          <p:cNvPr id="3" name="Content Placeholder 2"/>
+          <p:cNvSpPr>
+            <a:spLocks noGrp="1"/>
+          </p:cNvSpPr>
+          <p:nvPr>
+            <p:ph idx="1"/>
+          </p:nvPr>
+        </p:nvSpPr>
+        <p:spPr/>
+        <p:txBody>
+          <a:bodyPr/>
+          <a:lstStyle/>
+          <a:p>
+            <a:r>
+              <a:rPr lang="en-US" dirty="0" smtClean="0"/>
+              <a:t>Automatic genotyping/PCR/sequencing primer generation</a:t>
+            </a:r>
+          </a:p>
+          <a:p>
+            <a:r>
+              <a:rPr lang="en-US" dirty="0" smtClean="0"/>
+              <a:t>JavaScript trace viewer for Sequencing QC review</a:t>
+            </a:r>
+          </a:p>
+          <a:p>
+            <a:r>
+              <a:rPr lang="en-US" dirty="0" smtClean="0"/>
+              <a:t>CRISPR QC</a:t>
+            </a:r>
+          </a:p>
+          <a:p>
+            <a:r>
+              <a:rPr lang="en-US" dirty="0" smtClean="0"/>
+              <a:t>Bar coding check-in/check-out and tracking</a:t>
+            </a:r>
+          </a:p>
+          <a:p>
+            <a:pPr lvl="1"/>
+            <a:r>
+              <a:rPr lang="en-US" dirty="0" smtClean="0"/>
+              <a:t>Plate versioning required as a result</a:t>
+            </a:r>
+            <a:endParaRPr lang="en-US" dirty="0"/>
+          </a:p>
+        </p:txBody>
+      </p:sp>
+    </p:spTree>
+    <p:extLst>
+      <p:ext uri="{BB962C8B-B14F-4D97-AF65-F5344CB8AC3E}">
+        <p14:creationId xmlns:p14="http://schemas.microsoft.com/office/powerpoint/2010/main" val="2216519832"/>
+      </p:ext>
+    </p:extLst>
+  </p:cSld>
+  <p:clrMapOvr>
+    <a:masterClrMapping/>
+  </p:clrMapOvr>
+  <p:timing>
+    <p:tnLst>
+      <p:par>
+        <p:cTn xmlns:p14="http://schemas.microsoft.com/office/powerpoint/2010/main" id="1" dur="indefinite" restart="never" nodeType="tmRoot"/>
+      </p:par>
+    </p:tnLst>
+  </p:timing>
+</p:sld>
+</file>
+
+<file path=ppt/slides/slide11.xml><?xml version="1.0" encoding="utf-8"?>
 <p:sld xmlns:a="http://schemas.openxmlformats.org/drawingml/2006/main" xmlns:r="http://schemas.openxmlformats.org/officeDocument/2006/relationships" xmlns:p="http://schemas.openxmlformats.org/presentationml/2006/main">
   <p:cSld>
     <p:spTree>
@@ -3823,7 +3951,7 @@
 </p:sld>
 </file>
 
-<file path=ppt/slides/slide11.xml><?xml version="1.0" encoding="utf-8"?>
+<file path=ppt/slides/slide12.xml><?xml version="1.0" encoding="utf-8"?>
 <p:sld xmlns:a="http://schemas.openxmlformats.org/drawingml/2006/main" xmlns:r="http://schemas.openxmlformats.org/officeDocument/2006/relationships" xmlns:p="http://schemas.openxmlformats.org/presentationml/2006/main">
   <p:cSld>
     <p:spTree>
@@ -3896,10 +4024,100 @@
   <p:clrMapOvr>
     <a:masterClrMapping/>
   </p:clrMapOvr>
+  <p:timing>
+    <p:tnLst>
+      <p:par>
+        <p:cTn xmlns:p14="http://schemas.microsoft.com/office/powerpoint/2010/main" id="1" dur="indefinite" restart="never" nodeType="tmRoot"/>
+      </p:par>
+    </p:tnLst>
+  </p:timing>
 </p:sld>
 </file>
 
-<file path=ppt/slides/slide12.xml><?xml version="1.0" encoding="utf-8"?>
+<file path=ppt/slides/slide13.xml><?xml version="1.0" encoding="utf-8"?>
+<p:sld xmlns:a="http://schemas.openxmlformats.org/drawingml/2006/main" xmlns:r="http://schemas.openxmlformats.org/officeDocument/2006/relationships" xmlns:p="http://schemas.openxmlformats.org/presentationml/2006/main">
+  <p:cSld>
+    <p:spTree>
+      <p:nvGrpSpPr>
+        <p:cNvPr id="1" name=""/>
+        <p:cNvGrpSpPr/>
+        <p:nvPr/>
+      </p:nvGrpSpPr>
+      <p:grpSpPr>
+        <a:xfrm>
+          <a:off x="0" y="0"/>
+          <a:ext cx="0" cy="0"/>
+          <a:chOff x="0" y="0"/>
+          <a:chExt cx="0" cy="0"/>
+        </a:xfrm>
+      </p:grpSpPr>
+      <p:sp>
+        <p:nvSpPr>
+          <p:cNvPr id="2" name="Title 1"/>
+          <p:cNvSpPr>
+            <a:spLocks noGrp="1"/>
+          </p:cNvSpPr>
+          <p:nvPr>
+            <p:ph type="title"/>
+          </p:nvPr>
+        </p:nvSpPr>
+        <p:spPr/>
+        <p:txBody>
+          <a:bodyPr/>
+          <a:lstStyle/>
+          <a:p>
+            <a:r>
+              <a:rPr lang="en-US" dirty="0" smtClean="0"/>
+              <a:t>… and fine detail</a:t>
+            </a:r>
+            <a:endParaRPr lang="en-US" dirty="0"/>
+          </a:p>
+        </p:txBody>
+      </p:sp>
+      <p:pic>
+        <p:nvPicPr>
+          <p:cNvPr id="4" name="Picture 3"/>
+          <p:cNvPicPr>
+            <a:picLocks noChangeAspect="1"/>
+          </p:cNvPicPr>
+          <p:nvPr/>
+        </p:nvPicPr>
+        <p:blipFill rotWithShape="1">
+          <a:blip r:embed="rId2"/>
+          <a:srcRect l="10162" t="10312" r="10345"/>
+          <a:stretch/>
+        </p:blipFill>
+        <p:spPr>
+          <a:xfrm>
+            <a:off x="929242" y="1775801"/>
+            <a:ext cx="7268738" cy="4776720"/>
+          </a:xfrm>
+          <a:prstGeom prst="rect">
+            <a:avLst/>
+          </a:prstGeom>
+        </p:spPr>
+      </p:pic>
+    </p:spTree>
+    <p:extLst>
+      <p:ext uri="{BB962C8B-B14F-4D97-AF65-F5344CB8AC3E}">
+        <p14:creationId xmlns:p14="http://schemas.microsoft.com/office/powerpoint/2010/main" val="2035006577"/>
+      </p:ext>
+    </p:extLst>
+  </p:cSld>
+  <p:clrMapOvr>
+    <a:masterClrMapping/>
+  </p:clrMapOvr>
+  <p:timing>
+    <p:tnLst>
+      <p:par>
+        <p:cTn xmlns:p14="http://schemas.microsoft.com/office/powerpoint/2010/main" id="1" dur="indefinite" restart="never" nodeType="tmRoot"/>
+      </p:par>
+    </p:tnLst>
+  </p:timing>
+</p:sld>
+</file>
+
+<file path=ppt/slides/slide14.xml><?xml version="1.0" encoding="utf-8"?>
 <p:sld xmlns:a="http://schemas.openxmlformats.org/drawingml/2006/main" xmlns:r="http://schemas.openxmlformats.org/officeDocument/2006/relationships" xmlns:p="http://schemas.openxmlformats.org/presentationml/2006/main">
   <p:cSld>
     <p:spTree>
@@ -3972,10 +4190,237 @@
   <p:clrMapOvr>
     <a:masterClrMapping/>
   </p:clrMapOvr>
+  <p:timing>
+    <p:tnLst>
+      <p:par>
+        <p:cTn xmlns:p14="http://schemas.microsoft.com/office/powerpoint/2010/main" id="1" dur="indefinite" restart="never" nodeType="tmRoot"/>
+      </p:par>
+    </p:tnLst>
+  </p:timing>
 </p:sld>
 </file>
 
-<file path=ppt/slides/slide13.xml><?xml version="1.0" encoding="utf-8"?>
+<file path=ppt/slides/slide15.xml><?xml version="1.0" encoding="utf-8"?>
+<p:sld xmlns:a="http://schemas.openxmlformats.org/drawingml/2006/main" xmlns:r="http://schemas.openxmlformats.org/officeDocument/2006/relationships" xmlns:p="http://schemas.openxmlformats.org/presentationml/2006/main">
+  <p:cSld>
+    <p:spTree>
+      <p:nvGrpSpPr>
+        <p:cNvPr id="1" name=""/>
+        <p:cNvGrpSpPr/>
+        <p:nvPr/>
+      </p:nvGrpSpPr>
+      <p:grpSpPr>
+        <a:xfrm>
+          <a:off x="0" y="0"/>
+          <a:ext cx="0" cy="0"/>
+          <a:chOff x="0" y="0"/>
+          <a:chExt cx="0" cy="0"/>
+        </a:xfrm>
+      </p:grpSpPr>
+      <p:sp>
+        <p:nvSpPr>
+          <p:cNvPr id="2" name="Title 1"/>
+          <p:cNvSpPr>
+            <a:spLocks noGrp="1"/>
+          </p:cNvSpPr>
+          <p:nvPr>
+            <p:ph type="title"/>
+          </p:nvPr>
+        </p:nvSpPr>
+        <p:spPr/>
+        <p:txBody>
+          <a:bodyPr/>
+          <a:lstStyle/>
+          <a:p>
+            <a:r>
+              <a:rPr lang="en-US" dirty="0" smtClean="0"/>
+              <a:t>How much data?</a:t>
+            </a:r>
+            <a:endParaRPr lang="en-US" dirty="0"/>
+          </a:p>
+        </p:txBody>
+      </p:sp>
+      <p:sp>
+        <p:nvSpPr>
+          <p:cNvPr id="3" name="Content Placeholder 2"/>
+          <p:cNvSpPr>
+            <a:spLocks noGrp="1"/>
+          </p:cNvSpPr>
+          <p:nvPr>
+            <p:ph idx="1"/>
+          </p:nvPr>
+        </p:nvSpPr>
+        <p:spPr/>
+        <p:txBody>
+          <a:bodyPr/>
+          <a:lstStyle/>
+          <a:p>
+            <a:r>
+              <a:rPr lang="en-US" dirty="0" smtClean="0"/>
+              <a:t>LIMS2 is a well-relationship system</a:t>
+            </a:r>
+          </a:p>
+          <a:p>
+            <a:r>
+              <a:rPr lang="en-US" dirty="0" smtClean="0"/>
+              <a:t>As of today:</a:t>
+            </a:r>
+          </a:p>
+          <a:p>
+            <a:r>
+              <a:rPr lang="en-US" dirty="0" smtClean="0"/>
+              <a:t>412,157 wells</a:t>
+            </a:r>
+          </a:p>
+          <a:p>
+            <a:r>
+              <a:rPr lang="en-US" dirty="0" smtClean="0"/>
+              <a:t>20,000 design genes</a:t>
+            </a:r>
+          </a:p>
+          <a:p>
+            <a:pPr lvl="1"/>
+            <a:r>
+              <a:rPr lang="en-US" dirty="0" smtClean="0"/>
+              <a:t>Mouse 17,780</a:t>
+            </a:r>
+            <a:r>
+              <a:rPr lang="en-US" baseline="30000" dirty="0" smtClean="0"/>
+              <a:t>*</a:t>
+            </a:r>
+          </a:p>
+          <a:p>
+            <a:pPr lvl="1"/>
+            <a:r>
+              <a:rPr lang="en-US" dirty="0" smtClean="0"/>
+              <a:t>Human 1,987</a:t>
+            </a:r>
+          </a:p>
+          <a:p>
+            <a:pPr marL="0" indent="0">
+              <a:buNone/>
+            </a:pPr>
+            <a:endParaRPr lang="en-US" sz="1600" baseline="30000" dirty="0" smtClean="0"/>
+          </a:p>
+          <a:p>
+            <a:pPr marL="0" indent="0">
+              <a:buNone/>
+            </a:pPr>
+            <a:r>
+              <a:rPr lang="en-US" sz="1600" baseline="30000" dirty="0" smtClean="0"/>
+              <a:t>*</a:t>
+            </a:r>
+            <a:r>
+              <a:rPr lang="en-US" sz="1600" dirty="0" smtClean="0"/>
+              <a:t>Does not include data in HTGT2 that is not included in LIMS2</a:t>
+            </a:r>
+          </a:p>
+        </p:txBody>
+      </p:sp>
+    </p:spTree>
+    <p:extLst>
+      <p:ext uri="{BB962C8B-B14F-4D97-AF65-F5344CB8AC3E}">
+        <p14:creationId xmlns:p14="http://schemas.microsoft.com/office/powerpoint/2010/main" val="1295259917"/>
+      </p:ext>
+    </p:extLst>
+  </p:cSld>
+  <p:clrMapOvr>
+    <a:masterClrMapping/>
+  </p:clrMapOvr>
+  <p:timing>
+    <p:tnLst>
+      <p:par>
+        <p:cTn xmlns:p14="http://schemas.microsoft.com/office/powerpoint/2010/main" id="1" dur="indefinite" restart="never" nodeType="tmRoot"/>
+      </p:par>
+    </p:tnLst>
+  </p:timing>
+</p:sld>
+</file>
+
+<file path=ppt/slides/slide16.xml><?xml version="1.0" encoding="utf-8"?>
+<p:sld xmlns:a="http://schemas.openxmlformats.org/drawingml/2006/main" xmlns:r="http://schemas.openxmlformats.org/officeDocument/2006/relationships" xmlns:p="http://schemas.openxmlformats.org/presentationml/2006/main">
+  <p:cSld>
+    <p:spTree>
+      <p:nvGrpSpPr>
+        <p:cNvPr id="1" name=""/>
+        <p:cNvGrpSpPr/>
+        <p:nvPr/>
+      </p:nvGrpSpPr>
+      <p:grpSpPr>
+        <a:xfrm>
+          <a:off x="0" y="0"/>
+          <a:ext cx="0" cy="0"/>
+          <a:chOff x="0" y="0"/>
+          <a:chExt cx="0" cy="0"/>
+        </a:xfrm>
+      </p:grpSpPr>
+      <p:sp>
+        <p:nvSpPr>
+          <p:cNvPr id="2" name="Title 1"/>
+          <p:cNvSpPr>
+            <a:spLocks noGrp="1"/>
+          </p:cNvSpPr>
+          <p:nvPr>
+            <p:ph type="title"/>
+          </p:nvPr>
+        </p:nvSpPr>
+        <p:spPr/>
+        <p:txBody>
+          <a:bodyPr/>
+          <a:lstStyle/>
+          <a:p>
+            <a:r>
+              <a:rPr lang="en-US" dirty="0" smtClean="0"/>
+              <a:t>How it looks to LIMS2</a:t>
+            </a:r>
+            <a:endParaRPr lang="en-US" dirty="0"/>
+          </a:p>
+        </p:txBody>
+      </p:sp>
+      <p:pic>
+        <p:nvPicPr>
+          <p:cNvPr id="4" name="Picture 3"/>
+          <p:cNvPicPr>
+            <a:picLocks noChangeAspect="1"/>
+          </p:cNvPicPr>
+          <p:nvPr/>
+        </p:nvPicPr>
+        <p:blipFill rotWithShape="1">
+          <a:blip r:embed="rId2"/>
+          <a:srcRect t="18560" b="7075"/>
+          <a:stretch/>
+        </p:blipFill>
+        <p:spPr>
+          <a:xfrm>
+            <a:off x="0" y="2126832"/>
+            <a:ext cx="9144000" cy="3892308"/>
+          </a:xfrm>
+          <a:prstGeom prst="rect">
+            <a:avLst/>
+          </a:prstGeom>
+        </p:spPr>
+      </p:pic>
+    </p:spTree>
+    <p:extLst>
+      <p:ext uri="{BB962C8B-B14F-4D97-AF65-F5344CB8AC3E}">
+        <p14:creationId xmlns:p14="http://schemas.microsoft.com/office/powerpoint/2010/main" val="1241440699"/>
+      </p:ext>
+    </p:extLst>
+  </p:cSld>
+  <p:clrMapOvr>
+    <a:masterClrMapping/>
+  </p:clrMapOvr>
+  <p:timing>
+    <p:tnLst>
+      <p:par>
+        <p:cTn xmlns:p14="http://schemas.microsoft.com/office/powerpoint/2010/main" id="1" dur="indefinite" restart="never" nodeType="tmRoot"/>
+      </p:par>
+    </p:tnLst>
+  </p:timing>
+</p:sld>
+</file>
+
+<file path=ppt/slides/slide17.xml><?xml version="1.0" encoding="utf-8"?>
 <p:sld xmlns:a="http://schemas.openxmlformats.org/drawingml/2006/main" xmlns:r="http://schemas.openxmlformats.org/officeDocument/2006/relationships" xmlns:p="http://schemas.openxmlformats.org/presentationml/2006/main">
   <p:cSld>
     <p:spTree>
@@ -4058,7 +4503,7 @@
 </p:sld>
 </file>
 
-<file path=ppt/slides/slide14.xml><?xml version="1.0" encoding="utf-8"?>
+<file path=ppt/slides/slide18.xml><?xml version="1.0" encoding="utf-8"?>
 <p:sld xmlns:a="http://schemas.openxmlformats.org/drawingml/2006/main" xmlns:r="http://schemas.openxmlformats.org/officeDocument/2006/relationships" xmlns:p="http://schemas.openxmlformats.org/presentationml/2006/main">
   <p:cSld>
     <p:spTree>
@@ -4188,7 +4633,7 @@
 </p:sld>
 </file>
 
-<file path=ppt/slides/slide15.xml><?xml version="1.0" encoding="utf-8"?>
+<file path=ppt/slides/slide19.xml><?xml version="1.0" encoding="utf-8"?>
 <p:sld xmlns:a="http://schemas.openxmlformats.org/drawingml/2006/main" xmlns:r="http://schemas.openxmlformats.org/officeDocument/2006/relationships" xmlns:p="http://schemas.openxmlformats.org/presentationml/2006/main">
   <p:cSld>
     <p:spTree>
@@ -4286,7 +4731,127 @@
 </p:sld>
 </file>
 
-<file path=ppt/slides/slide16.xml><?xml version="1.0" encoding="utf-8"?>
+<file path=ppt/slides/slide2.xml><?xml version="1.0" encoding="utf-8"?>
+<p:sld xmlns:a="http://schemas.openxmlformats.org/drawingml/2006/main" xmlns:r="http://schemas.openxmlformats.org/officeDocument/2006/relationships" xmlns:p="http://schemas.openxmlformats.org/presentationml/2006/main">
+  <p:cSld>
+    <p:spTree>
+      <p:nvGrpSpPr>
+        <p:cNvPr id="1" name=""/>
+        <p:cNvGrpSpPr/>
+        <p:nvPr/>
+      </p:nvGrpSpPr>
+      <p:grpSpPr>
+        <a:xfrm>
+          <a:off x="0" y="0"/>
+          <a:ext cx="0" cy="0"/>
+          <a:chOff x="0" y="0"/>
+          <a:chExt cx="0" cy="0"/>
+        </a:xfrm>
+      </p:grpSpPr>
+      <p:sp>
+        <p:nvSpPr>
+          <p:cNvPr id="2" name="Title 1"/>
+          <p:cNvSpPr>
+            <a:spLocks noGrp="1"/>
+          </p:cNvSpPr>
+          <p:nvPr>
+            <p:ph type="title"/>
+          </p:nvPr>
+        </p:nvSpPr>
+        <p:spPr/>
+        <p:txBody>
+          <a:bodyPr/>
+          <a:lstStyle/>
+          <a:p>
+            <a:r>
+              <a:rPr lang="en-US" dirty="0" smtClean="0"/>
+              <a:t>Talk Outline</a:t>
+            </a:r>
+            <a:endParaRPr lang="en-US" dirty="0"/>
+          </a:p>
+        </p:txBody>
+      </p:sp>
+      <p:sp>
+        <p:nvSpPr>
+          <p:cNvPr id="3" name="Content Placeholder 2"/>
+          <p:cNvSpPr>
+            <a:spLocks noGrp="1"/>
+          </p:cNvSpPr>
+          <p:nvPr>
+            <p:ph idx="1"/>
+          </p:nvPr>
+        </p:nvSpPr>
+        <p:spPr/>
+        <p:txBody>
+          <a:bodyPr>
+            <a:normAutofit fontScale="92500" lnSpcReduction="10000"/>
+          </a:bodyPr>
+          <a:lstStyle/>
+          <a:p>
+            <a:r>
+              <a:rPr lang="en-US" dirty="0" smtClean="0"/>
+              <a:t>What are we trying to achieve with our systems?</a:t>
+            </a:r>
+          </a:p>
+          <a:p>
+            <a:r>
+              <a:rPr lang="en-US" dirty="0" smtClean="0"/>
+              <a:t>Overall landscape of systems</a:t>
+            </a:r>
+          </a:p>
+          <a:p>
+            <a:r>
+              <a:rPr lang="en-US" dirty="0" smtClean="0"/>
+              <a:t>HTGT – legacy but still used</a:t>
+            </a:r>
+          </a:p>
+          <a:p>
+            <a:r>
+              <a:rPr lang="en-US" dirty="0" smtClean="0"/>
+              <a:t>LIMS2 – the current LIMS still actively developed</a:t>
+            </a:r>
+          </a:p>
+          <a:p>
+            <a:r>
+              <a:rPr lang="en-US" dirty="0" smtClean="0"/>
+              <a:t>WGE – a research tool for CRISPR genome editing</a:t>
+            </a:r>
+          </a:p>
+          <a:p>
+            <a:r>
+              <a:rPr lang="en-US" dirty="0" smtClean="0"/>
+              <a:t>Documentation</a:t>
+            </a:r>
+          </a:p>
+          <a:p>
+            <a:r>
+              <a:rPr lang="en-US" dirty="0" smtClean="0"/>
+              <a:t>Future plans</a:t>
+            </a:r>
+          </a:p>
+          <a:p>
+            <a:r>
+              <a:rPr lang="en-US" dirty="0" smtClean="0"/>
+              <a:t>People</a:t>
+            </a:r>
+            <a:endParaRPr lang="en-US" dirty="0"/>
+          </a:p>
+        </p:txBody>
+      </p:sp>
+    </p:spTree>
+    <p:extLst>
+      <p:ext uri="{BB962C8B-B14F-4D97-AF65-F5344CB8AC3E}">
+        <p14:creationId xmlns:p14="http://schemas.microsoft.com/office/powerpoint/2010/main" val="1936379838"/>
+      </p:ext>
+    </p:extLst>
+  </p:cSld>
+  <p:clrMapOvr>
+    <a:masterClrMapping/>
+  </p:clrMapOvr>
+</p:sld>
+</file>
+
+<file path=ppt/slides/slide20.xml><?xml version="1.0" encoding="utf-8"?>
 <p:sld xmlns:a="http://schemas.openxmlformats.org/drawingml/2006/main" xmlns:r="http://schemas.openxmlformats.org/officeDocument/2006/relationships" xmlns:p="http://schemas.openxmlformats.org/presentationml/2006/main">
   <p:cSld>
     <p:spTree>
@@ -4369,7 +4934,7 @@
 </p:sld>
 </file>
 
-<file path=ppt/slides/slide17.xml><?xml version="1.0" encoding="utf-8"?>
+<file path=ppt/slides/slide21.xml><?xml version="1.0" encoding="utf-8"?>
 <p:sld xmlns:a="http://schemas.openxmlformats.org/drawingml/2006/main" xmlns:r="http://schemas.openxmlformats.org/officeDocument/2006/relationships" xmlns:p="http://schemas.openxmlformats.org/presentationml/2006/main">
   <p:cSld>
     <p:spTree>
@@ -4403,6 +4968,128 @@
           <a:p>
             <a:r>
               <a:rPr lang="en-US" dirty="0" smtClean="0"/>
+              <a:t>Future Plans</a:t>
+            </a:r>
+            <a:endParaRPr lang="en-US" dirty="0"/>
+          </a:p>
+        </p:txBody>
+      </p:sp>
+      <p:sp>
+        <p:nvSpPr>
+          <p:cNvPr id="3" name="Content Placeholder 2"/>
+          <p:cNvSpPr>
+            <a:spLocks noGrp="1"/>
+          </p:cNvSpPr>
+          <p:nvPr>
+            <p:ph idx="1"/>
+          </p:nvPr>
+        </p:nvSpPr>
+        <p:spPr/>
+        <p:txBody>
+          <a:bodyPr/>
+          <a:lstStyle/>
+          <a:p>
+            <a:r>
+              <a:rPr lang="en-US" dirty="0" smtClean="0"/>
+              <a:t>Prepare users for the move to read-only HTGT</a:t>
+            </a:r>
+          </a:p>
+          <a:p>
+            <a:r>
+              <a:rPr lang="en-US" dirty="0" smtClean="0"/>
+              <a:t>Migration of LIMS2 to Ubuntu 12.04 or (preferably) 14.04</a:t>
+            </a:r>
+          </a:p>
+          <a:p>
+            <a:r>
+              <a:rPr lang="en-US" dirty="0" smtClean="0"/>
+              <a:t>Review of Deployment strategy for LIMS2 and WGE</a:t>
+            </a:r>
+          </a:p>
+          <a:p>
+            <a:pPr lvl="1"/>
+            <a:r>
+              <a:rPr lang="en-US" dirty="0" smtClean="0"/>
+              <a:t>Currently bespoke</a:t>
+            </a:r>
+          </a:p>
+          <a:p>
+            <a:pPr lvl="1"/>
+            <a:r>
+              <a:rPr lang="en-US" dirty="0" smtClean="0"/>
+              <a:t>Consideration of publicly available tools</a:t>
+            </a:r>
+          </a:p>
+          <a:p>
+            <a:pPr lvl="2"/>
+            <a:r>
+              <a:rPr lang="en-US" dirty="0" smtClean="0"/>
+              <a:t>Puppet, Chef etc.</a:t>
+            </a:r>
+          </a:p>
+          <a:p>
+            <a:r>
+              <a:rPr lang="en-US" dirty="0" smtClean="0"/>
+              <a:t>Extend functions of LIMS2 as a tracking system driven by user requirements</a:t>
+            </a:r>
+            <a:endParaRPr lang="en-US" dirty="0"/>
+          </a:p>
+        </p:txBody>
+      </p:sp>
+    </p:spTree>
+    <p:extLst>
+      <p:ext uri="{BB962C8B-B14F-4D97-AF65-F5344CB8AC3E}">
+        <p14:creationId xmlns:p14="http://schemas.microsoft.com/office/powerpoint/2010/main" val="1745290447"/>
+      </p:ext>
+    </p:extLst>
+  </p:cSld>
+  <p:clrMapOvr>
+    <a:masterClrMapping/>
+  </p:clrMapOvr>
+  <p:timing>
+    <p:tnLst>
+      <p:par>
+        <p:cTn xmlns:p14="http://schemas.microsoft.com/office/powerpoint/2010/main" id="1" dur="indefinite" restart="never" nodeType="tmRoot"/>
+      </p:par>
+    </p:tnLst>
+  </p:timing>
+</p:sld>
+</file>
+
+<file path=ppt/slides/slide22.xml><?xml version="1.0" encoding="utf-8"?>
+<p:sld xmlns:a="http://schemas.openxmlformats.org/drawingml/2006/main" xmlns:r="http://schemas.openxmlformats.org/officeDocument/2006/relationships" xmlns:p="http://schemas.openxmlformats.org/presentationml/2006/main">
+  <p:cSld>
+    <p:spTree>
+      <p:nvGrpSpPr>
+        <p:cNvPr id="1" name=""/>
+        <p:cNvGrpSpPr/>
+        <p:nvPr/>
+      </p:nvGrpSpPr>
+      <p:grpSpPr>
+        <a:xfrm>
+          <a:off x="0" y="0"/>
+          <a:ext cx="0" cy="0"/>
+          <a:chOff x="0" y="0"/>
+          <a:chExt cx="0" cy="0"/>
+        </a:xfrm>
+      </p:grpSpPr>
+      <p:sp>
+        <p:nvSpPr>
+          <p:cNvPr id="2" name="Title 1"/>
+          <p:cNvSpPr>
+            <a:spLocks noGrp="1"/>
+          </p:cNvSpPr>
+          <p:nvPr>
+            <p:ph type="title"/>
+          </p:nvPr>
+        </p:nvSpPr>
+        <p:spPr/>
+        <p:txBody>
+          <a:bodyPr/>
+          <a:lstStyle/>
+          <a:p>
+            <a:r>
+              <a:rPr lang="en-US" dirty="0" smtClean="0"/>
               <a:t>People</a:t>
             </a:r>
             <a:endParaRPr lang="en-US" dirty="0"/>
@@ -4421,19 +5108,19 @@
         </p:nvSpPr>
         <p:spPr>
           <a:xfrm>
-            <a:off x="549275" y="1600201"/>
-            <a:ext cx="3429187" cy="4343400"/>
+            <a:off x="549275" y="1600200"/>
+            <a:ext cx="3859462" cy="4904188"/>
           </a:xfrm>
         </p:spPr>
         <p:txBody>
           <a:bodyPr>
-            <a:normAutofit lnSpcReduction="10000"/>
+            <a:normAutofit fontScale="92500" lnSpcReduction="10000"/>
           </a:bodyPr>
           <a:lstStyle/>
           <a:p>
             <a:r>
               <a:rPr lang="en-US" dirty="0" smtClean="0"/>
-              <a:t>Informatics Group</a:t>
+              <a:t>Informatics Group 2015</a:t>
             </a:r>
           </a:p>
           <a:p>
@@ -4455,8 +5142,16 @@
               <a:t>Tiago </a:t>
             </a:r>
             <a:r>
-              <a:rPr lang="en-US" dirty="0" err="1"/>
+              <a:rPr lang="en-US" dirty="0" err="1" smtClean="0"/>
               <a:t>Grego</a:t>
+            </a:r>
+            <a:endParaRPr lang="en-US" dirty="0" smtClean="0"/>
+          </a:p>
+          <a:p>
+            <a:pPr lvl="1"/>
+            <a:r>
+              <a:rPr lang="en-US" dirty="0" smtClean="0"/>
+              <a:t>David Parry-Smith</a:t>
             </a:r>
             <a:endParaRPr lang="en-US" dirty="0"/>
           </a:p>
@@ -4472,10 +5167,11 @@
             </a:r>
           </a:p>
           <a:p>
-            <a:pPr marL="349250" lvl="1" indent="0">
-              <a:buNone/>
-            </a:pPr>
-            <a:endParaRPr lang="en-US" dirty="0" smtClean="0"/>
+            <a:pPr marL="355600" indent="-342900"/>
+            <a:r>
+              <a:rPr lang="en-US" dirty="0" smtClean="0"/>
+              <a:t>Ex-members</a:t>
+            </a:r>
           </a:p>
           <a:p>
             <a:pPr lvl="1"/>
@@ -4502,9 +5198,15 @@
             <a:endParaRPr lang="en-US" dirty="0" smtClean="0"/>
           </a:p>
           <a:p>
-            <a:pPr marL="349250" lvl="1" indent="0">
-              <a:buNone/>
-            </a:pPr>
+            <a:pPr lvl="1"/>
+            <a:r>
+              <a:rPr lang="en-US" dirty="0" smtClean="0"/>
+              <a:t>Richard </a:t>
+            </a:r>
+            <a:r>
+              <a:rPr lang="en-US" dirty="0" err="1" smtClean="0"/>
+              <a:t>Easty</a:t>
+            </a:r>
             <a:endParaRPr lang="en-US" dirty="0" smtClean="0"/>
           </a:p>
           <a:p>
@@ -4524,23 +5226,25 @@
             <a:endParaRPr lang="en-US" dirty="0" smtClean="0"/>
           </a:p>
           <a:p>
+            <a:r>
+              <a:rPr lang="en-US" dirty="0" smtClean="0"/>
+              <a:t>New role – </a:t>
+            </a:r>
+            <a:r>
+              <a:rPr lang="en-US" dirty="0" err="1" smtClean="0"/>
+              <a:t>Imits</a:t>
+            </a:r>
+            <a:r>
+              <a:rPr lang="en-US" dirty="0" smtClean="0"/>
+              <a:t> lead</a:t>
+            </a:r>
+          </a:p>
+          <a:p>
             <a:pPr lvl="1"/>
             <a:r>
               <a:rPr lang="en-US" dirty="0" smtClean="0"/>
               <a:t>Peter Matthews</a:t>
             </a:r>
-          </a:p>
-          <a:p>
-            <a:pPr lvl="1"/>
-            <a:r>
-              <a:rPr lang="en-US" dirty="0" smtClean="0"/>
-              <a:t>Richard </a:t>
-            </a:r>
-            <a:r>
-              <a:rPr lang="en-US" dirty="0" err="1" smtClean="0"/>
-              <a:t>Easty</a:t>
-            </a:r>
-            <a:endParaRPr lang="en-US" dirty="0"/>
           </a:p>
         </p:txBody>
       </p:sp>
@@ -4850,7 +5554,7 @@
 </p:sld>
 </file>
 
-<file path=ppt/slides/slide2.xml><?xml version="1.0" encoding="utf-8"?>
+<file path=ppt/slides/slide3.xml><?xml version="1.0" encoding="utf-8"?>
 <p:sld xmlns:a="http://schemas.openxmlformats.org/drawingml/2006/main" xmlns:r="http://schemas.openxmlformats.org/officeDocument/2006/relationships" xmlns:p="http://schemas.openxmlformats.org/presentationml/2006/main">
   <p:cSld>
     <p:spTree>
@@ -4884,7 +5588,7 @@
           <a:p>
             <a:r>
               <a:rPr lang="en-US" dirty="0" smtClean="0"/>
-              <a:t>Talk Outline</a:t>
+              <a:t>What are we aiming to achieve?</a:t>
             </a:r>
             <a:endParaRPr lang="en-US" dirty="0"/>
           </a:p>
@@ -4907,37 +5611,25 @@
           <a:p>
             <a:r>
               <a:rPr lang="en-US" dirty="0" smtClean="0"/>
-              <a:t>What are we trying to achieve with our systems?</a:t>
-            </a:r>
-          </a:p>
-          <a:p>
-            <a:r>
-              <a:rPr lang="en-US" dirty="0" smtClean="0"/>
-              <a:t>Overall landscape of systems</a:t>
-            </a:r>
-          </a:p>
-          <a:p>
-            <a:r>
-              <a:rPr lang="en-US" dirty="0" smtClean="0"/>
-              <a:t>HTGT – legacy but still used</a:t>
-            </a:r>
-          </a:p>
-          <a:p>
-            <a:r>
-              <a:rPr lang="en-US" dirty="0" smtClean="0"/>
-              <a:t>LIMS2 – the current LIMS still actively developed</a:t>
-            </a:r>
-          </a:p>
-          <a:p>
-            <a:r>
-              <a:rPr lang="en-US" dirty="0" smtClean="0"/>
-              <a:t>WGE – a research tool for CRISPR genome editing</a:t>
-            </a:r>
-          </a:p>
-          <a:p>
-            <a:r>
-              <a:rPr lang="en-US" dirty="0" smtClean="0"/>
-              <a:t>People</a:t>
+              <a:t>Tracking systems for wells that are manipulated in the lab</a:t>
+            </a:r>
+          </a:p>
+          <a:p>
+            <a:r>
+              <a:rPr lang="en-US" dirty="0" smtClean="0"/>
+              <a:t>Tools for reporting over those wells</a:t>
+            </a:r>
+          </a:p>
+          <a:p>
+            <a:r>
+              <a:rPr lang="en-US" dirty="0" smtClean="0"/>
+              <a:t>Tools for engineering designs</a:t>
+            </a:r>
+          </a:p>
+          <a:p>
+            <a:r>
+              <a:rPr lang="en-US" dirty="0" smtClean="0"/>
+              <a:t>Tools for designing, tracking and reporting CRISPR experiments</a:t>
             </a:r>
             <a:endParaRPr lang="en-US" dirty="0"/>
           </a:p>
@@ -4946,7 +5638,7 @@
     </p:spTree>
     <p:extLst>
       <p:ext uri="{BB962C8B-B14F-4D97-AF65-F5344CB8AC3E}">
-        <p14:creationId xmlns:p14="http://schemas.microsoft.com/office/powerpoint/2010/main" val="1936379838"/>
+        <p14:creationId xmlns:p14="http://schemas.microsoft.com/office/powerpoint/2010/main" val="3516774164"/>
       </p:ext>
     </p:extLst>
   </p:cSld>
@@ -4956,7 +5648,7 @@
 </p:sld>
 </file>
 
-<file path=ppt/slides/slide3.xml><?xml version="1.0" encoding="utf-8"?>
+<file path=ppt/slides/slide4.xml><?xml version="1.0" encoding="utf-8"?>
 <p:sld xmlns:a="http://schemas.openxmlformats.org/drawingml/2006/main" xmlns:r="http://schemas.openxmlformats.org/officeDocument/2006/relationships" xmlns:p="http://schemas.openxmlformats.org/presentationml/2006/main">
   <p:cSld>
     <p:spTree>
@@ -5065,147 +5757,6 @@
     <p:extLst>
       <p:ext uri="{BB962C8B-B14F-4D97-AF65-F5344CB8AC3E}">
         <p14:creationId xmlns:p14="http://schemas.microsoft.com/office/powerpoint/2010/main" val="3386116897"/>
-      </p:ext>
-    </p:extLst>
-  </p:cSld>
-  <p:clrMapOvr>
-    <a:masterClrMapping/>
-  </p:clrMapOvr>
-  <p:timing>
-    <p:tnLst>
-      <p:par>
-        <p:cTn xmlns:p14="http://schemas.microsoft.com/office/powerpoint/2010/main" id="1" dur="indefinite" restart="never" nodeType="tmRoot"/>
-      </p:par>
-    </p:tnLst>
-  </p:timing>
-</p:sld>
-</file>
-
-<file path=ppt/slides/slide4.xml><?xml version="1.0" encoding="utf-8"?>
-<p:sld xmlns:a="http://schemas.openxmlformats.org/drawingml/2006/main" xmlns:r="http://schemas.openxmlformats.org/officeDocument/2006/relationships" xmlns:p="http://schemas.openxmlformats.org/presentationml/2006/main">
-  <p:cSld>
-    <p:spTree>
-      <p:nvGrpSpPr>
-        <p:cNvPr id="1" name=""/>
-        <p:cNvGrpSpPr/>
-        <p:nvPr/>
-      </p:nvGrpSpPr>
-      <p:grpSpPr>
-        <a:xfrm>
-          <a:off x="0" y="0"/>
-          <a:ext cx="0" cy="0"/>
-          <a:chOff x="0" y="0"/>
-          <a:chExt cx="0" cy="0"/>
-        </a:xfrm>
-      </p:grpSpPr>
-      <p:sp>
-        <p:nvSpPr>
-          <p:cNvPr id="2" name="Title 1"/>
-          <p:cNvSpPr>
-            <a:spLocks noGrp="1"/>
-          </p:cNvSpPr>
-          <p:nvPr>
-            <p:ph type="title"/>
-          </p:nvPr>
-        </p:nvSpPr>
-        <p:spPr/>
-        <p:txBody>
-          <a:bodyPr/>
-          <a:lstStyle/>
-          <a:p>
-            <a:r>
-              <a:rPr lang="en-US" dirty="0" smtClean="0"/>
-              <a:t>HTGT</a:t>
-            </a:r>
-            <a:endParaRPr lang="en-US" dirty="0"/>
-          </a:p>
-        </p:txBody>
-      </p:sp>
-      <p:sp>
-        <p:nvSpPr>
-          <p:cNvPr id="3" name="Content Placeholder 2"/>
-          <p:cNvSpPr>
-            <a:spLocks noGrp="1"/>
-          </p:cNvSpPr>
-          <p:nvPr>
-            <p:ph idx="1"/>
-          </p:nvPr>
-        </p:nvSpPr>
-        <p:spPr/>
-        <p:txBody>
-          <a:bodyPr/>
-          <a:lstStyle/>
-          <a:p>
-            <a:r>
-              <a:rPr lang="en-US" dirty="0" smtClean="0"/>
-              <a:t>HTGT – High-Throughput Gene Targeting</a:t>
-            </a:r>
-          </a:p>
-          <a:p>
-            <a:pPr lvl="1"/>
-            <a:r>
-              <a:rPr lang="en-US" dirty="0" smtClean="0"/>
-              <a:t>The ‘original’ LIMS for Team87</a:t>
-            </a:r>
-          </a:p>
-          <a:p>
-            <a:pPr lvl="1"/>
-            <a:r>
-              <a:rPr lang="en-US" dirty="0" smtClean="0"/>
-              <a:t>Perl/Catalyst/DBI/</a:t>
-            </a:r>
-            <a:r>
-              <a:rPr lang="en-US" dirty="0" err="1" smtClean="0"/>
-              <a:t>DBIx</a:t>
-            </a:r>
-            <a:r>
-              <a:rPr lang="en-US" dirty="0" smtClean="0"/>
-              <a:t>::Class/Oracle</a:t>
-            </a:r>
-          </a:p>
-          <a:p>
-            <a:pPr lvl="1"/>
-            <a:r>
-              <a:rPr lang="en-US" dirty="0" smtClean="0"/>
-              <a:t>Was running on Etch (aka ancient version of </a:t>
-            </a:r>
-            <a:r>
-              <a:rPr lang="en-US" dirty="0" err="1" smtClean="0"/>
-              <a:t>Debian</a:t>
-            </a:r>
-            <a:r>
-              <a:rPr lang="en-US" dirty="0" smtClean="0"/>
-              <a:t>)</a:t>
-            </a:r>
-          </a:p>
-          <a:p>
-            <a:pPr lvl="1"/>
-            <a:r>
-              <a:rPr lang="en-US" dirty="0" smtClean="0"/>
-              <a:t>A ‘legacy’ system supporting Mouse (only)</a:t>
-            </a:r>
-          </a:p>
-          <a:p>
-            <a:pPr lvl="1"/>
-            <a:r>
-              <a:rPr lang="en-US" dirty="0" smtClean="0"/>
-              <a:t>Essentially relational ‘one well -&gt; one parent’ model</a:t>
-            </a:r>
-          </a:p>
-          <a:p>
-            <a:pPr lvl="2"/>
-            <a:r>
-              <a:rPr lang="en-US" dirty="0" smtClean="0"/>
-              <a:t>A kind of tree</a:t>
-            </a:r>
-            <a:endParaRPr lang="en-US" dirty="0"/>
-          </a:p>
-        </p:txBody>
-      </p:sp>
-    </p:spTree>
-    <p:extLst>
-      <p:ext uri="{BB962C8B-B14F-4D97-AF65-F5344CB8AC3E}">
-        <p14:creationId xmlns:p14="http://schemas.microsoft.com/office/powerpoint/2010/main" val="1989526936"/>
       </p:ext>
     </p:extLst>
   </p:cSld>
@@ -5256,6 +5807,147 @@
           <a:p>
             <a:r>
               <a:rPr lang="en-US" dirty="0" smtClean="0"/>
+              <a:t>HTGT</a:t>
+            </a:r>
+            <a:endParaRPr lang="en-US" dirty="0"/>
+          </a:p>
+        </p:txBody>
+      </p:sp>
+      <p:sp>
+        <p:nvSpPr>
+          <p:cNvPr id="3" name="Content Placeholder 2"/>
+          <p:cNvSpPr>
+            <a:spLocks noGrp="1"/>
+          </p:cNvSpPr>
+          <p:nvPr>
+            <p:ph idx="1"/>
+          </p:nvPr>
+        </p:nvSpPr>
+        <p:spPr/>
+        <p:txBody>
+          <a:bodyPr/>
+          <a:lstStyle/>
+          <a:p>
+            <a:r>
+              <a:rPr lang="en-US" dirty="0" smtClean="0"/>
+              <a:t>HTGT – High-Throughput Gene Targeting</a:t>
+            </a:r>
+          </a:p>
+          <a:p>
+            <a:pPr lvl="1"/>
+            <a:r>
+              <a:rPr lang="en-US" dirty="0" smtClean="0"/>
+              <a:t>The ‘original’ LIMS for Team87</a:t>
+            </a:r>
+          </a:p>
+          <a:p>
+            <a:pPr lvl="1"/>
+            <a:r>
+              <a:rPr lang="en-US" dirty="0" smtClean="0"/>
+              <a:t>Perl/Catalyst/DBI/</a:t>
+            </a:r>
+            <a:r>
+              <a:rPr lang="en-US" dirty="0" err="1" smtClean="0"/>
+              <a:t>DBIx</a:t>
+            </a:r>
+            <a:r>
+              <a:rPr lang="en-US" dirty="0" smtClean="0"/>
+              <a:t>::Class/Oracle</a:t>
+            </a:r>
+          </a:p>
+          <a:p>
+            <a:pPr lvl="1"/>
+            <a:r>
+              <a:rPr lang="en-US" dirty="0" smtClean="0"/>
+              <a:t>Was running on Etch (aka ancient version of </a:t>
+            </a:r>
+            <a:r>
+              <a:rPr lang="en-US" dirty="0" err="1" smtClean="0"/>
+              <a:t>Debian</a:t>
+            </a:r>
+            <a:r>
+              <a:rPr lang="en-US" dirty="0" smtClean="0"/>
+              <a:t>)</a:t>
+            </a:r>
+          </a:p>
+          <a:p>
+            <a:pPr lvl="1"/>
+            <a:r>
+              <a:rPr lang="en-US" dirty="0" smtClean="0"/>
+              <a:t>A ‘legacy’ system supporting Mouse (only)</a:t>
+            </a:r>
+          </a:p>
+          <a:p>
+            <a:pPr lvl="1"/>
+            <a:r>
+              <a:rPr lang="en-US" dirty="0" smtClean="0"/>
+              <a:t>Essentially relational ‘one well -&gt; one parent’ model</a:t>
+            </a:r>
+          </a:p>
+          <a:p>
+            <a:pPr lvl="2"/>
+            <a:r>
+              <a:rPr lang="en-US" dirty="0" smtClean="0"/>
+              <a:t>A kind of tree</a:t>
+            </a:r>
+            <a:endParaRPr lang="en-US" dirty="0"/>
+          </a:p>
+        </p:txBody>
+      </p:sp>
+    </p:spTree>
+    <p:extLst>
+      <p:ext uri="{BB962C8B-B14F-4D97-AF65-F5344CB8AC3E}">
+        <p14:creationId xmlns:p14="http://schemas.microsoft.com/office/powerpoint/2010/main" val="1989526936"/>
+      </p:ext>
+    </p:extLst>
+  </p:cSld>
+  <p:clrMapOvr>
+    <a:masterClrMapping/>
+  </p:clrMapOvr>
+  <p:timing>
+    <p:tnLst>
+      <p:par>
+        <p:cTn xmlns:p14="http://schemas.microsoft.com/office/powerpoint/2010/main" id="1" dur="indefinite" restart="never" nodeType="tmRoot"/>
+      </p:par>
+    </p:tnLst>
+  </p:timing>
+</p:sld>
+</file>
+
+<file path=ppt/slides/slide6.xml><?xml version="1.0" encoding="utf-8"?>
+<p:sld xmlns:a="http://schemas.openxmlformats.org/drawingml/2006/main" xmlns:r="http://schemas.openxmlformats.org/officeDocument/2006/relationships" xmlns:p="http://schemas.openxmlformats.org/presentationml/2006/main">
+  <p:cSld>
+    <p:spTree>
+      <p:nvGrpSpPr>
+        <p:cNvPr id="1" name=""/>
+        <p:cNvGrpSpPr/>
+        <p:nvPr/>
+      </p:nvGrpSpPr>
+      <p:grpSpPr>
+        <a:xfrm>
+          <a:off x="0" y="0"/>
+          <a:ext cx="0" cy="0"/>
+          <a:chOff x="0" y="0"/>
+          <a:chExt cx="0" cy="0"/>
+        </a:xfrm>
+      </p:grpSpPr>
+      <p:sp>
+        <p:nvSpPr>
+          <p:cNvPr id="2" name="Title 1"/>
+          <p:cNvSpPr>
+            <a:spLocks noGrp="1"/>
+          </p:cNvSpPr>
+          <p:nvPr>
+            <p:ph type="title"/>
+          </p:nvPr>
+        </p:nvSpPr>
+        <p:spPr/>
+        <p:txBody>
+          <a:bodyPr/>
+          <a:lstStyle/>
+          <a:p>
+            <a:r>
+              <a:rPr lang="en-US" dirty="0" smtClean="0"/>
               <a:t>HTGT2 – The migration</a:t>
             </a:r>
             <a:endParaRPr lang="en-US" dirty="0"/>
@@ -5279,7 +5971,7 @@
           <a:p>
             <a:r>
               <a:rPr lang="en-US" dirty="0" smtClean="0"/>
-              <a:t>Removal of support for Etch</a:t>
+              <a:t>Removal of systems support for Etch O/S</a:t>
             </a:r>
           </a:p>
           <a:p>
@@ -5376,7 +6068,7 @@
             </a:r>
             <a:r>
               <a:rPr lang="en-US" dirty="0" smtClean="0"/>
-              <a:t>erl 5.14.4</a:t>
+              <a:t>erl 5.14.4 …</a:t>
             </a:r>
             <a:endParaRPr lang="en-US" dirty="0"/>
           </a:p>
@@ -5402,7 +6094,7 @@
 </p:sld>
 </file>
 
-<file path=ppt/slides/slide6.xml><?xml version="1.0" encoding="utf-8"?>
+<file path=ppt/slides/slide7.xml><?xml version="1.0" encoding="utf-8"?>
 <p:sld xmlns:a="http://schemas.openxmlformats.org/drawingml/2006/main" xmlns:r="http://schemas.openxmlformats.org/officeDocument/2006/relationships" xmlns:p="http://schemas.openxmlformats.org/presentationml/2006/main">
   <p:cSld>
     <p:spTree>
@@ -5485,175 +6177,6 @@
 </p:sld>
 </file>
 
-<file path=ppt/slides/slide7.xml><?xml version="1.0" encoding="utf-8"?>
-<p:sld xmlns:a="http://schemas.openxmlformats.org/drawingml/2006/main" xmlns:r="http://schemas.openxmlformats.org/officeDocument/2006/relationships" xmlns:p="http://schemas.openxmlformats.org/presentationml/2006/main">
-  <p:cSld>
-    <p:spTree>
-      <p:nvGrpSpPr>
-        <p:cNvPr id="1" name=""/>
-        <p:cNvGrpSpPr/>
-        <p:nvPr/>
-      </p:nvGrpSpPr>
-      <p:grpSpPr>
-        <a:xfrm>
-          <a:off x="0" y="0"/>
-          <a:ext cx="0" cy="0"/>
-          <a:chOff x="0" y="0"/>
-          <a:chExt cx="0" cy="0"/>
-        </a:xfrm>
-      </p:grpSpPr>
-      <p:sp>
-        <p:nvSpPr>
-          <p:cNvPr id="2" name="Title 1"/>
-          <p:cNvSpPr>
-            <a:spLocks noGrp="1"/>
-          </p:cNvSpPr>
-          <p:nvPr>
-            <p:ph type="title"/>
-          </p:nvPr>
-        </p:nvSpPr>
-        <p:spPr/>
-        <p:txBody>
-          <a:bodyPr/>
-          <a:lstStyle/>
-          <a:p>
-            <a:r>
-              <a:rPr lang="en-US" dirty="0" smtClean="0"/>
-              <a:t>LIMS2</a:t>
-            </a:r>
-            <a:endParaRPr lang="en-US" dirty="0"/>
-          </a:p>
-        </p:txBody>
-      </p:sp>
-      <p:sp>
-        <p:nvSpPr>
-          <p:cNvPr id="3" name="Content Placeholder 2"/>
-          <p:cNvSpPr>
-            <a:spLocks noGrp="1"/>
-          </p:cNvSpPr>
-          <p:nvPr>
-            <p:ph idx="1"/>
-          </p:nvPr>
-        </p:nvSpPr>
-        <p:spPr/>
-        <p:txBody>
-          <a:bodyPr>
-            <a:normAutofit lnSpcReduction="10000"/>
-          </a:bodyPr>
-          <a:lstStyle/>
-          <a:p>
-            <a:r>
-              <a:rPr lang="en-US" dirty="0" smtClean="0"/>
-              <a:t>Supports:</a:t>
-            </a:r>
-          </a:p>
-          <a:p>
-            <a:pPr lvl="1"/>
-            <a:r>
-              <a:rPr lang="en-US" dirty="0" smtClean="0"/>
-              <a:t>both Human and Mouse species</a:t>
-            </a:r>
-          </a:p>
-          <a:p>
-            <a:pPr lvl="1"/>
-            <a:r>
-              <a:rPr lang="en-US" dirty="0" smtClean="0"/>
-              <a:t>Gibson Designs</a:t>
-            </a:r>
-          </a:p>
-          <a:p>
-            <a:pPr lvl="1"/>
-            <a:r>
-              <a:rPr lang="en-US" dirty="0" smtClean="0"/>
-              <a:t>CRISPR/Cas9 support</a:t>
-            </a:r>
-          </a:p>
-          <a:p>
-            <a:r>
-              <a:rPr lang="en-US" dirty="0" smtClean="0"/>
-              <a:t>Runs on Ubuntu 10.04 (Lucid lynx)</a:t>
-            </a:r>
-          </a:p>
-          <a:p>
-            <a:pPr lvl="1"/>
-            <a:r>
-              <a:rPr lang="en-US" dirty="0" smtClean="0"/>
-              <a:t>Perl 5.10.1 (…old!)</a:t>
-            </a:r>
-          </a:p>
-          <a:p>
-            <a:pPr lvl="1"/>
-            <a:r>
-              <a:rPr lang="en-US" dirty="0" smtClean="0"/>
-              <a:t>Catalyst/</a:t>
-            </a:r>
-            <a:r>
-              <a:rPr lang="en-US" dirty="0" err="1" smtClean="0"/>
-              <a:t>DBIx</a:t>
-            </a:r>
-            <a:r>
-              <a:rPr lang="en-US" dirty="0" smtClean="0"/>
-              <a:t>::Class/</a:t>
-            </a:r>
-            <a:r>
-              <a:rPr lang="en-US" dirty="0" err="1" smtClean="0"/>
-              <a:t>PostgreSQL</a:t>
-            </a:r>
-            <a:endParaRPr lang="en-US" dirty="0" smtClean="0"/>
-          </a:p>
-          <a:p>
-            <a:pPr lvl="1"/>
-            <a:r>
-              <a:rPr lang="en-US" dirty="0" smtClean="0"/>
-              <a:t>More use of JavaScript</a:t>
-            </a:r>
-            <a:endParaRPr lang="en-US" dirty="0"/>
-          </a:p>
-          <a:p>
-            <a:pPr lvl="1"/>
-            <a:r>
-              <a:rPr lang="en-US" dirty="0" err="1" smtClean="0"/>
-              <a:t>ExtJS</a:t>
-            </a:r>
-            <a:r>
-              <a:rPr lang="en-US" dirty="0" smtClean="0"/>
-              <a:t> for flexible table widget</a:t>
-            </a:r>
-          </a:p>
-          <a:p>
-            <a:pPr lvl="1"/>
-            <a:r>
-              <a:rPr lang="en-US" dirty="0" err="1" smtClean="0"/>
-              <a:t>Genoverse</a:t>
-            </a:r>
-            <a:r>
-              <a:rPr lang="en-US" dirty="0" smtClean="0"/>
-              <a:t> genome browser</a:t>
-            </a:r>
-            <a:endParaRPr lang="en-US" dirty="0"/>
-          </a:p>
-        </p:txBody>
-      </p:sp>
-    </p:spTree>
-    <p:extLst>
-      <p:ext uri="{BB962C8B-B14F-4D97-AF65-F5344CB8AC3E}">
-        <p14:creationId xmlns:p14="http://schemas.microsoft.com/office/powerpoint/2010/main" val="1278359290"/>
-      </p:ext>
-    </p:extLst>
-  </p:cSld>
-  <p:clrMapOvr>
-    <a:masterClrMapping/>
-  </p:clrMapOvr>
-  <p:timing>
-    <p:tnLst>
-      <p:par>
-        <p:cTn xmlns:p14="http://schemas.microsoft.com/office/powerpoint/2010/main" id="1" dur="indefinite" restart="never" nodeType="tmRoot"/>
-      </p:par>
-    </p:tnLst>
-  </p:timing>
-</p:sld>
-</file>
-
 <file path=ppt/slides/slide8.xml><?xml version="1.0" encoding="utf-8"?>
 <p:sld xmlns:a="http://schemas.openxmlformats.org/drawingml/2006/main" xmlns:r="http://schemas.openxmlformats.org/officeDocument/2006/relationships" xmlns:p="http://schemas.openxmlformats.org/presentationml/2006/main">
   <p:cSld>
@@ -5688,7 +6211,7 @@
           <a:p>
             <a:r>
               <a:rPr lang="en-US" dirty="0" smtClean="0"/>
-              <a:t>LIMS2 - architecture</a:t>
+              <a:t>LIMS2</a:t>
             </a:r>
             <a:endParaRPr lang="en-US" dirty="0"/>
           </a:p>
@@ -5704,66 +6227,57 @@
             <p:ph idx="1"/>
           </p:nvPr>
         </p:nvSpPr>
-        <p:spPr>
-          <a:xfrm>
-            <a:off x="549275" y="1600200"/>
-            <a:ext cx="8042276" cy="4715565"/>
-          </a:xfrm>
-        </p:spPr>
+        <p:spPr/>
         <p:txBody>
           <a:bodyPr>
-            <a:normAutofit fontScale="85000" lnSpcReduction="20000"/>
+            <a:normAutofit lnSpcReduction="10000"/>
           </a:bodyPr>
           <a:lstStyle/>
           <a:p>
             <a:r>
               <a:rPr lang="en-US" dirty="0" smtClean="0"/>
-              <a:t>A well can have … multiple parent wells!</a:t>
-            </a:r>
-          </a:p>
-          <a:p>
-            <a:r>
-              <a:rPr lang="en-US" dirty="0" smtClean="0"/>
-              <a:t>Re-arrays, extensive parameter validation</a:t>
-            </a:r>
-          </a:p>
-          <a:p>
-            <a:r>
-              <a:rPr lang="en-US" dirty="0" smtClean="0"/>
-              <a:t>Access the DB through the model.</a:t>
+              <a:t>Supports:</a:t>
             </a:r>
           </a:p>
           <a:p>
             <a:pPr lvl="1"/>
             <a:r>
               <a:rPr lang="en-US" dirty="0" smtClean="0"/>
-              <a:t>Thin controller/fat model.</a:t>
-            </a:r>
-          </a:p>
-          <a:p>
-            <a:r>
-              <a:rPr lang="en-US" dirty="0" smtClean="0"/>
-              <a:t>Shares QC system with HTGT2</a:t>
+              <a:t>both Human and Mouse species</a:t>
             </a:r>
           </a:p>
           <a:p>
             <a:pPr lvl="1"/>
             <a:r>
               <a:rPr lang="en-US" dirty="0" smtClean="0"/>
-              <a:t>For Farm3 submission</a:t>
-            </a:r>
-          </a:p>
-          <a:p>
-            <a:r>
-              <a:rPr lang="en-US" dirty="0" smtClean="0"/>
-              <a:t>Directed Acyclic Graph</a:t>
-            </a:r>
-            <a:endParaRPr lang="en-US" dirty="0"/>
-          </a:p>
-          <a:p>
-            <a:r>
-              <a:rPr lang="en-US" dirty="0" smtClean="0"/>
-              <a:t>Graph Support is limited in </a:t>
+              <a:t>Gibson Designs</a:t>
+            </a:r>
+          </a:p>
+          <a:p>
+            <a:pPr lvl="1"/>
+            <a:r>
+              <a:rPr lang="en-US" dirty="0" smtClean="0"/>
+              <a:t>CRISPR/Cas9 support</a:t>
+            </a:r>
+          </a:p>
+          <a:p>
+            <a:r>
+              <a:rPr lang="en-US" dirty="0" smtClean="0"/>
+              <a:t>Runs on Ubuntu 10.04 (Lucid lynx)</a:t>
+            </a:r>
+          </a:p>
+          <a:p>
+            <a:pPr lvl="1"/>
+            <a:r>
+              <a:rPr lang="en-US" dirty="0" smtClean="0"/>
+              <a:t>Perl 5.10.1 (…old!)</a:t>
+            </a:r>
+          </a:p>
+          <a:p>
+            <a:pPr lvl="1"/>
+            <a:r>
+              <a:rPr lang="en-US" dirty="0" smtClean="0"/>
+              <a:t>Catalyst/</a:t>
             </a:r>
             <a:r>
               <a:rPr lang="en-US" dirty="0" err="1" smtClean="0"/>
@@ -5771,44 +6285,42 @@
             </a:r>
             <a:r>
               <a:rPr lang="en-US" dirty="0" smtClean="0"/>
-              <a:t>::Class and ANSI SQL</a:t>
-            </a:r>
-          </a:p>
-          <a:p>
-            <a:pPr lvl="1"/>
-            <a:r>
-              <a:rPr lang="en-US" dirty="0" smtClean="0"/>
-              <a:t>‘WITH RECURSIVE’ required in </a:t>
+              <a:t>::Class/</a:t>
             </a:r>
             <a:r>
               <a:rPr lang="en-US" dirty="0" err="1" smtClean="0"/>
               <a:t>PostgreSQL</a:t>
             </a:r>
-            <a:r>
-              <a:rPr lang="en-US" dirty="0" smtClean="0"/>
-              <a:t> to permit searching across the graph</a:t>
-            </a:r>
-          </a:p>
-          <a:p>
-            <a:pPr lvl="2"/>
-            <a:r>
-              <a:rPr lang="en-US" dirty="0" smtClean="0"/>
-              <a:t>No support in </a:t>
-            </a:r>
+            <a:endParaRPr lang="en-US" dirty="0" smtClean="0"/>
+          </a:p>
+          <a:p>
+            <a:pPr lvl="1"/>
+            <a:r>
+              <a:rPr lang="en-US" dirty="0" smtClean="0"/>
+              <a:t>More use of JavaScript</a:t>
+            </a:r>
+            <a:endParaRPr lang="en-US" dirty="0"/>
+          </a:p>
+          <a:p>
+            <a:pPr lvl="1"/>
             <a:r>
               <a:rPr lang="en-US" dirty="0" err="1" smtClean="0"/>
-              <a:t>DBIx</a:t>
-            </a:r>
-            <a:r>
-              <a:rPr lang="en-US" dirty="0" smtClean="0"/>
-              <a:t>::Class … yet</a:t>
-            </a:r>
-          </a:p>
-          <a:p>
-            <a:pPr lvl="2"/>
-            <a:r>
-              <a:rPr lang="en-US" dirty="0" smtClean="0"/>
-              <a:t>Required for fast reporting</a:t>
+              <a:t>ExtJS</a:t>
+            </a:r>
+            <a:r>
+              <a:rPr lang="en-US" dirty="0" smtClean="0"/>
+              <a:t> for flexible table widget</a:t>
+            </a:r>
+          </a:p>
+          <a:p>
+            <a:pPr lvl="1"/>
+            <a:r>
+              <a:rPr lang="en-US" dirty="0" err="1" smtClean="0"/>
+              <a:t>Genoverse</a:t>
+            </a:r>
+            <a:r>
+              <a:rPr lang="en-US" dirty="0" smtClean="0"/>
+              <a:t> genome browser</a:t>
             </a:r>
             <a:endParaRPr lang="en-US" dirty="0"/>
           </a:p>
@@ -5817,7 +6329,7 @@
     </p:spTree>
     <p:extLst>
       <p:ext uri="{BB962C8B-B14F-4D97-AF65-F5344CB8AC3E}">
-        <p14:creationId xmlns:p14="http://schemas.microsoft.com/office/powerpoint/2010/main" val="1998424295"/>
+        <p14:creationId xmlns:p14="http://schemas.microsoft.com/office/powerpoint/2010/main" val="1278359290"/>
       </p:ext>
     </p:extLst>
   </p:cSld>
@@ -5868,7 +6380,7 @@
           <a:p>
             <a:r>
               <a:rPr lang="en-US" dirty="0" smtClean="0"/>
-              <a:t>Recent features</a:t>
+              <a:t>LIMS2 - architecture</a:t>
             </a:r>
             <a:endParaRPr lang="en-US" dirty="0"/>
           </a:p>
@@ -5884,39 +6396,111 @@
             <p:ph idx="1"/>
           </p:nvPr>
         </p:nvSpPr>
-        <p:spPr/>
-        <p:txBody>
-          <a:bodyPr/>
-          <a:lstStyle/>
-          <a:p>
-            <a:r>
-              <a:rPr lang="en-US" dirty="0" smtClean="0"/>
-              <a:t>Automatic genotyping/PCR/sequencing primer generation</a:t>
-            </a:r>
-          </a:p>
-          <a:p>
-            <a:r>
-              <a:rPr lang="en-US" dirty="0" smtClean="0"/>
-              <a:t>JavaScript trace viewer for Sequencing QC review</a:t>
-            </a:r>
-          </a:p>
-          <a:p>
-            <a:r>
-              <a:rPr lang="en-US" dirty="0" smtClean="0"/>
-              <a:t>CRISPR QC</a:t>
-            </a:r>
-          </a:p>
-          <a:p>
-            <a:r>
-              <a:rPr lang="en-US" dirty="0" smtClean="0"/>
-              <a:t>Bar coding check-in/check-out and tracking</a:t>
+        <p:spPr>
+          <a:xfrm>
+            <a:off x="549275" y="1600200"/>
+            <a:ext cx="8042276" cy="4715565"/>
+          </a:xfrm>
+        </p:spPr>
+        <p:txBody>
+          <a:bodyPr>
+            <a:normAutofit fontScale="85000" lnSpcReduction="20000"/>
+          </a:bodyPr>
+          <a:lstStyle/>
+          <a:p>
+            <a:r>
+              <a:rPr lang="en-US" dirty="0" smtClean="0"/>
+              <a:t>A well can have … multiple parent wells!</a:t>
+            </a:r>
+          </a:p>
+          <a:p>
+            <a:r>
+              <a:rPr lang="en-US" dirty="0" smtClean="0"/>
+              <a:t>Re-arrays, extensive parameter validation</a:t>
+            </a:r>
+          </a:p>
+          <a:p>
+            <a:r>
+              <a:rPr lang="en-US" dirty="0" smtClean="0"/>
+              <a:t>Access the DB through the model.</a:t>
             </a:r>
           </a:p>
           <a:p>
             <a:pPr lvl="1"/>
             <a:r>
               <a:rPr lang="en-US" dirty="0" smtClean="0"/>
-              <a:t>Plate versioning required as a result</a:t>
+              <a:t>Thin controller/fat model.</a:t>
+            </a:r>
+          </a:p>
+          <a:p>
+            <a:r>
+              <a:rPr lang="en-US" dirty="0" smtClean="0"/>
+              <a:t>Shares QC system with HTGT2</a:t>
+            </a:r>
+          </a:p>
+          <a:p>
+            <a:pPr lvl="1"/>
+            <a:r>
+              <a:rPr lang="en-US" dirty="0" smtClean="0"/>
+              <a:t>For Farm3 submission</a:t>
+            </a:r>
+          </a:p>
+          <a:p>
+            <a:r>
+              <a:rPr lang="en-US" dirty="0" smtClean="0"/>
+              <a:t>Directed Acyclic Graph</a:t>
+            </a:r>
+            <a:endParaRPr lang="en-US" dirty="0"/>
+          </a:p>
+          <a:p>
+            <a:r>
+              <a:rPr lang="en-US" dirty="0" smtClean="0"/>
+              <a:t>Graph Support is limited in </a:t>
+            </a:r>
+            <a:r>
+              <a:rPr lang="en-US" dirty="0" err="1" smtClean="0"/>
+              <a:t>DBIx</a:t>
+            </a:r>
+            <a:r>
+              <a:rPr lang="en-US" dirty="0" smtClean="0"/>
+              <a:t>::Class and ANSI SQL</a:t>
+            </a:r>
+          </a:p>
+          <a:p>
+            <a:pPr lvl="1"/>
+            <a:r>
+              <a:rPr lang="en-US" dirty="0" smtClean="0"/>
+              <a:t>‘WITH RECURSIVE’ required in </a:t>
+            </a:r>
+            <a:r>
+              <a:rPr lang="en-US" dirty="0" err="1" smtClean="0"/>
+              <a:t>PostgreSQL</a:t>
+            </a:r>
+            <a:r>
+              <a:rPr lang="en-US" dirty="0" smtClean="0"/>
+              <a:t> to permit searching across the graph</a:t>
+            </a:r>
+          </a:p>
+          <a:p>
+            <a:pPr lvl="2"/>
+            <a:r>
+              <a:rPr lang="en-US" dirty="0" smtClean="0"/>
+              <a:t>No support in </a:t>
+            </a:r>
+            <a:r>
+              <a:rPr lang="en-US" dirty="0" err="1" smtClean="0"/>
+              <a:t>DBIx</a:t>
+            </a:r>
+            <a:r>
+              <a:rPr lang="en-US" dirty="0" smtClean="0"/>
+              <a:t>::Class … yet</a:t>
+            </a:r>
+          </a:p>
+          <a:p>
+            <a:pPr lvl="2"/>
+            <a:r>
+              <a:rPr lang="en-US" dirty="0" smtClean="0"/>
+              <a:t>Required for fast reporting</a:t>
             </a:r>
             <a:endParaRPr lang="en-US" dirty="0"/>
           </a:p>
@@ -5925,7 +6509,7 @@
     </p:spTree>
     <p:extLst>
       <p:ext uri="{BB962C8B-B14F-4D97-AF65-F5344CB8AC3E}">
-        <p14:creationId xmlns:p14="http://schemas.microsoft.com/office/powerpoint/2010/main" val="2216519832"/>
+        <p14:creationId xmlns:p14="http://schemas.microsoft.com/office/powerpoint/2010/main" val="1998424295"/>
       </p:ext>
     </p:extLst>
   </p:cSld>
